--- a/gpjk.pptx
+++ b/gpjk.pptx
@@ -6,6 +6,7 @@
   </p:sldMasterIdLst>
   <p:sldIdLst>
     <p:sldId id="256" r:id="rId2"/>
+    <p:sldId id="257" r:id="rId3"/>
   </p:sldIdLst>
   <p:sldSz cx="12192000" cy="6858000"/>
   <p:notesSz cx="6858000" cy="9144000"/>
@@ -104,6 +105,11 @@
       </a:defRPr>
     </a:lvl9pPr>
   </p:defaultTextStyle>
+  <p:extLst>
+    <p:ext uri="{EFAFB233-063F-42B5-8137-9DF3F51BA10A}">
+      <p15:sldGuideLst xmlns:p15="http://schemas.microsoft.com/office/powerpoint/2012/main"/>
+    </p:ext>
+  </p:extLst>
 </p:presentation>
 </file>
 
@@ -238,7 +244,7 @@
           <a:p>
             <a:fld id="{99E0FF5A-20D7-4BB8-82D3-883A909DEBB0}" type="datetimeFigureOut">
               <a:rPr lang="zh-CN" altLang="en-US" smtClean="0"/>
-              <a:t>2018/10/31</a:t>
+              <a:t>2018/11/2</a:t>
             </a:fld>
             <a:endParaRPr lang="zh-CN" altLang="en-US"/>
           </a:p>
@@ -408,7 +414,7 @@
           <a:p>
             <a:fld id="{99E0FF5A-20D7-4BB8-82D3-883A909DEBB0}" type="datetimeFigureOut">
               <a:rPr lang="zh-CN" altLang="en-US" smtClean="0"/>
-              <a:t>2018/10/31</a:t>
+              <a:t>2018/11/2</a:t>
             </a:fld>
             <a:endParaRPr lang="zh-CN" altLang="en-US"/>
           </a:p>
@@ -588,7 +594,7 @@
           <a:p>
             <a:fld id="{99E0FF5A-20D7-4BB8-82D3-883A909DEBB0}" type="datetimeFigureOut">
               <a:rPr lang="zh-CN" altLang="en-US" smtClean="0"/>
-              <a:t>2018/10/31</a:t>
+              <a:t>2018/11/2</a:t>
             </a:fld>
             <a:endParaRPr lang="zh-CN" altLang="en-US"/>
           </a:p>
@@ -758,7 +764,7 @@
           <a:p>
             <a:fld id="{99E0FF5A-20D7-4BB8-82D3-883A909DEBB0}" type="datetimeFigureOut">
               <a:rPr lang="zh-CN" altLang="en-US" smtClean="0"/>
-              <a:t>2018/10/31</a:t>
+              <a:t>2018/11/2</a:t>
             </a:fld>
             <a:endParaRPr lang="zh-CN" altLang="en-US"/>
           </a:p>
@@ -1004,7 +1010,7 @@
           <a:p>
             <a:fld id="{99E0FF5A-20D7-4BB8-82D3-883A909DEBB0}" type="datetimeFigureOut">
               <a:rPr lang="zh-CN" altLang="en-US" smtClean="0"/>
-              <a:t>2018/10/31</a:t>
+              <a:t>2018/11/2</a:t>
             </a:fld>
             <a:endParaRPr lang="zh-CN" altLang="en-US"/>
           </a:p>
@@ -1236,7 +1242,7 @@
           <a:p>
             <a:fld id="{99E0FF5A-20D7-4BB8-82D3-883A909DEBB0}" type="datetimeFigureOut">
               <a:rPr lang="zh-CN" altLang="en-US" smtClean="0"/>
-              <a:t>2018/10/31</a:t>
+              <a:t>2018/11/2</a:t>
             </a:fld>
             <a:endParaRPr lang="zh-CN" altLang="en-US"/>
           </a:p>
@@ -1603,7 +1609,7 @@
           <a:p>
             <a:fld id="{99E0FF5A-20D7-4BB8-82D3-883A909DEBB0}" type="datetimeFigureOut">
               <a:rPr lang="zh-CN" altLang="en-US" smtClean="0"/>
-              <a:t>2018/10/31</a:t>
+              <a:t>2018/11/2</a:t>
             </a:fld>
             <a:endParaRPr lang="zh-CN" altLang="en-US"/>
           </a:p>
@@ -1721,7 +1727,7 @@
           <a:p>
             <a:fld id="{99E0FF5A-20D7-4BB8-82D3-883A909DEBB0}" type="datetimeFigureOut">
               <a:rPr lang="zh-CN" altLang="en-US" smtClean="0"/>
-              <a:t>2018/10/31</a:t>
+              <a:t>2018/11/2</a:t>
             </a:fld>
             <a:endParaRPr lang="zh-CN" altLang="en-US"/>
           </a:p>
@@ -1816,7 +1822,7 @@
           <a:p>
             <a:fld id="{99E0FF5A-20D7-4BB8-82D3-883A909DEBB0}" type="datetimeFigureOut">
               <a:rPr lang="zh-CN" altLang="en-US" smtClean="0"/>
-              <a:t>2018/10/31</a:t>
+              <a:t>2018/11/2</a:t>
             </a:fld>
             <a:endParaRPr lang="zh-CN" altLang="en-US"/>
           </a:p>
@@ -2093,7 +2099,7 @@
           <a:p>
             <a:fld id="{99E0FF5A-20D7-4BB8-82D3-883A909DEBB0}" type="datetimeFigureOut">
               <a:rPr lang="zh-CN" altLang="en-US" smtClean="0"/>
-              <a:t>2018/10/31</a:t>
+              <a:t>2018/11/2</a:t>
             </a:fld>
             <a:endParaRPr lang="zh-CN" altLang="en-US"/>
           </a:p>
@@ -2346,7 +2352,7 @@
           <a:p>
             <a:fld id="{99E0FF5A-20D7-4BB8-82D3-883A909DEBB0}" type="datetimeFigureOut">
               <a:rPr lang="zh-CN" altLang="en-US" smtClean="0"/>
-              <a:t>2018/10/31</a:t>
+              <a:t>2018/11/2</a:t>
             </a:fld>
             <a:endParaRPr lang="zh-CN" altLang="en-US"/>
           </a:p>
@@ -2559,7 +2565,7 @@
           <a:p>
             <a:fld id="{99E0FF5A-20D7-4BB8-82D3-883A909DEBB0}" type="datetimeFigureOut">
               <a:rPr lang="zh-CN" altLang="en-US" smtClean="0"/>
-              <a:t>2018/10/31</a:t>
+              <a:t>2018/11/2</a:t>
             </a:fld>
             <a:endParaRPr lang="zh-CN" altLang="en-US"/>
           </a:p>
@@ -3956,10 +3962,1914 @@
           </a:p>
         </p:txBody>
       </p:sp>
+      <p:sp>
+        <p:nvSpPr>
+          <p:cNvPr id="2" name="文本框 1"/>
+          <p:cNvSpPr txBox="1"/>
+          <p:nvPr/>
+        </p:nvSpPr>
+        <p:spPr>
+          <a:xfrm>
+            <a:off x="7192107" y="5917223"/>
+            <a:ext cx="2954655" cy="369332"/>
+          </a:xfrm>
+          <a:prstGeom prst="rect">
+            <a:avLst/>
+          </a:prstGeom>
+          <a:noFill/>
+        </p:spPr>
+        <p:txBody>
+          <a:bodyPr wrap="none" rtlCol="0">
+            <a:spAutoFit/>
+          </a:bodyPr>
+          <a:lstStyle/>
+          <a:p>
+            <a:r>
+              <a:rPr lang="zh-CN" altLang="en-US" dirty="0" smtClean="0"/>
+              <a:t>最后使用开闭操作得到结果</a:t>
+            </a:r>
+            <a:endParaRPr lang="zh-CN" altLang="en-US" dirty="0"/>
+          </a:p>
+        </p:txBody>
+      </p:sp>
     </p:spTree>
     <p:extLst>
       <p:ext uri="{BB962C8B-B14F-4D97-AF65-F5344CB8AC3E}">
         <p14:creationId xmlns:p14="http://schemas.microsoft.com/office/powerpoint/2010/main" val="810973238"/>
+      </p:ext>
+    </p:extLst>
+  </p:cSld>
+  <p:clrMapOvr>
+    <a:masterClrMapping/>
+  </p:clrMapOvr>
+</p:sld>
+</file>
+
+<file path=ppt/slides/slide2.xml><?xml version="1.0" encoding="utf-8"?>
+<p:sld xmlns:a="http://schemas.openxmlformats.org/drawingml/2006/main" xmlns:r="http://schemas.openxmlformats.org/officeDocument/2006/relationships" xmlns:p="http://schemas.openxmlformats.org/presentationml/2006/main">
+  <p:cSld>
+    <p:spTree>
+      <p:nvGrpSpPr>
+        <p:cNvPr id="1" name=""/>
+        <p:cNvGrpSpPr/>
+        <p:nvPr/>
+      </p:nvGrpSpPr>
+      <p:grpSpPr>
+        <a:xfrm>
+          <a:off x="0" y="0"/>
+          <a:ext cx="0" cy="0"/>
+          <a:chOff x="0" y="0"/>
+          <a:chExt cx="0" cy="0"/>
+        </a:xfrm>
+      </p:grpSpPr>
+      <p:pic>
+        <p:nvPicPr>
+          <p:cNvPr id="4" name="图片 3"/>
+          <p:cNvPicPr>
+            <a:picLocks noChangeAspect="1"/>
+          </p:cNvPicPr>
+          <p:nvPr/>
+        </p:nvPicPr>
+        <p:blipFill>
+          <a:blip r:embed="rId2" cstate="print">
+            <a:extLst>
+              <a:ext uri="{28A0092B-C50C-407E-A947-70E740481C1C}">
+                <a14:useLocalDpi xmlns:a14="http://schemas.microsoft.com/office/drawing/2010/main" val="0"/>
+              </a:ext>
+            </a:extLst>
+          </a:blip>
+          <a:stretch>
+            <a:fillRect/>
+          </a:stretch>
+        </p:blipFill>
+        <p:spPr>
+          <a:xfrm>
+            <a:off x="3915143" y="189768"/>
+            <a:ext cx="1228358" cy="944891"/>
+          </a:xfrm>
+          <a:prstGeom prst="rect">
+            <a:avLst/>
+          </a:prstGeom>
+        </p:spPr>
+      </p:pic>
+      <p:pic>
+        <p:nvPicPr>
+          <p:cNvPr id="5" name="图片 4"/>
+          <p:cNvPicPr>
+            <a:picLocks noChangeAspect="1"/>
+          </p:cNvPicPr>
+          <p:nvPr/>
+        </p:nvPicPr>
+        <p:blipFill>
+          <a:blip r:embed="rId3" cstate="print">
+            <a:extLst>
+              <a:ext uri="{28A0092B-C50C-407E-A947-70E740481C1C}">
+                <a14:useLocalDpi xmlns:a14="http://schemas.microsoft.com/office/drawing/2010/main" val="0"/>
+              </a:ext>
+            </a:extLst>
+          </a:blip>
+          <a:stretch>
+            <a:fillRect/>
+          </a:stretch>
+        </p:blipFill>
+        <p:spPr>
+          <a:xfrm>
+            <a:off x="6148389" y="176240"/>
+            <a:ext cx="1263528" cy="971945"/>
+          </a:xfrm>
+          <a:prstGeom prst="rect">
+            <a:avLst/>
+          </a:prstGeom>
+        </p:spPr>
+      </p:pic>
+      <p:sp>
+        <p:nvSpPr>
+          <p:cNvPr id="6" name="文本框 5"/>
+          <p:cNvSpPr txBox="1"/>
+          <p:nvPr/>
+        </p:nvSpPr>
+        <p:spPr>
+          <a:xfrm>
+            <a:off x="3735423" y="231324"/>
+            <a:ext cx="723275" cy="307777"/>
+          </a:xfrm>
+          <a:prstGeom prst="rect">
+            <a:avLst/>
+          </a:prstGeom>
+          <a:noFill/>
+        </p:spPr>
+        <p:txBody>
+          <a:bodyPr wrap="none" rtlCol="0">
+            <a:spAutoFit/>
+          </a:bodyPr>
+          <a:lstStyle/>
+          <a:p>
+            <a:r>
+              <a:rPr lang="zh-CN" altLang="en-US" sz="1400" dirty="0" smtClean="0"/>
+              <a:t>原图像</a:t>
+            </a:r>
+            <a:endParaRPr lang="zh-CN" altLang="en-US" sz="1400" dirty="0"/>
+          </a:p>
+        </p:txBody>
+      </p:sp>
+      <p:cxnSp>
+        <p:nvCxnSpPr>
+          <p:cNvPr id="8" name="直接箭头连接符 7"/>
+          <p:cNvCxnSpPr>
+            <a:stCxn id="4" idx="3"/>
+            <a:endCxn id="5" idx="1"/>
+          </p:cNvCxnSpPr>
+          <p:nvPr/>
+        </p:nvCxnSpPr>
+        <p:spPr>
+          <a:xfrm flipV="1">
+            <a:off x="5143501" y="662213"/>
+            <a:ext cx="1004888" cy="1"/>
+          </a:xfrm>
+          <a:prstGeom prst="straightConnector1">
+            <a:avLst/>
+          </a:prstGeom>
+          <a:ln>
+            <a:tailEnd type="triangle"/>
+          </a:ln>
+        </p:spPr>
+        <p:style>
+          <a:lnRef idx="1">
+            <a:schemeClr val="accent1"/>
+          </a:lnRef>
+          <a:fillRef idx="0">
+            <a:schemeClr val="accent1"/>
+          </a:fillRef>
+          <a:effectRef idx="0">
+            <a:schemeClr val="accent1"/>
+          </a:effectRef>
+          <a:fontRef idx="minor">
+            <a:schemeClr val="tx1"/>
+          </a:fontRef>
+        </p:style>
+      </p:cxnSp>
+      <p:sp>
+        <p:nvSpPr>
+          <p:cNvPr id="10" name="文本框 9"/>
+          <p:cNvSpPr txBox="1"/>
+          <p:nvPr/>
+        </p:nvSpPr>
+        <p:spPr>
+          <a:xfrm>
+            <a:off x="5322779" y="385213"/>
+            <a:ext cx="646331" cy="276999"/>
+          </a:xfrm>
+          <a:prstGeom prst="rect">
+            <a:avLst/>
+          </a:prstGeom>
+          <a:noFill/>
+        </p:spPr>
+        <p:txBody>
+          <a:bodyPr wrap="none" rtlCol="0">
+            <a:spAutoFit/>
+          </a:bodyPr>
+          <a:lstStyle/>
+          <a:p>
+            <a:r>
+              <a:rPr lang="zh-CN" altLang="en-US" sz="1200" dirty="0" smtClean="0"/>
+              <a:t>二值化</a:t>
+            </a:r>
+            <a:endParaRPr lang="zh-CN" altLang="en-US" sz="1200" dirty="0"/>
+          </a:p>
+        </p:txBody>
+      </p:sp>
+      <p:pic>
+        <p:nvPicPr>
+          <p:cNvPr id="11" name="图片 10"/>
+          <p:cNvPicPr>
+            <a:picLocks noChangeAspect="1"/>
+          </p:cNvPicPr>
+          <p:nvPr/>
+        </p:nvPicPr>
+        <p:blipFill>
+          <a:blip r:embed="rId4" cstate="print">
+            <a:extLst>
+              <a:ext uri="{28A0092B-C50C-407E-A947-70E740481C1C}">
+                <a14:useLocalDpi xmlns:a14="http://schemas.microsoft.com/office/drawing/2010/main" val="0"/>
+              </a:ext>
+            </a:extLst>
+          </a:blip>
+          <a:stretch>
+            <a:fillRect/>
+          </a:stretch>
+        </p:blipFill>
+        <p:spPr>
+          <a:xfrm>
+            <a:off x="4888293" y="2343884"/>
+            <a:ext cx="1245944" cy="958419"/>
+          </a:xfrm>
+          <a:prstGeom prst="rect">
+            <a:avLst/>
+          </a:prstGeom>
+        </p:spPr>
+      </p:pic>
+      <p:cxnSp>
+        <p:nvCxnSpPr>
+          <p:cNvPr id="18" name="直接箭头连接符 17"/>
+          <p:cNvCxnSpPr>
+            <a:endCxn id="11" idx="0"/>
+          </p:cNvCxnSpPr>
+          <p:nvPr/>
+        </p:nvCxnSpPr>
+        <p:spPr>
+          <a:xfrm flipH="1">
+            <a:off x="5511265" y="1987062"/>
+            <a:ext cx="1513" cy="356822"/>
+          </a:xfrm>
+          <a:prstGeom prst="straightConnector1">
+            <a:avLst/>
+          </a:prstGeom>
+          <a:ln>
+            <a:tailEnd type="triangle"/>
+          </a:ln>
+        </p:spPr>
+        <p:style>
+          <a:lnRef idx="1">
+            <a:schemeClr val="accent1"/>
+          </a:lnRef>
+          <a:fillRef idx="0">
+            <a:schemeClr val="accent1"/>
+          </a:fillRef>
+          <a:effectRef idx="0">
+            <a:schemeClr val="accent1"/>
+          </a:effectRef>
+          <a:fontRef idx="minor">
+            <a:schemeClr val="tx1"/>
+          </a:fontRef>
+        </p:style>
+      </p:cxnSp>
+      <p:cxnSp>
+        <p:nvCxnSpPr>
+          <p:cNvPr id="22" name="直接连接符 21"/>
+          <p:cNvCxnSpPr>
+            <a:stCxn id="4" idx="2"/>
+          </p:cNvCxnSpPr>
+          <p:nvPr/>
+        </p:nvCxnSpPr>
+        <p:spPr>
+          <a:xfrm>
+            <a:off x="4529322" y="1134659"/>
+            <a:ext cx="981943" cy="852403"/>
+          </a:xfrm>
+          <a:prstGeom prst="line">
+            <a:avLst/>
+          </a:prstGeom>
+        </p:spPr>
+        <p:style>
+          <a:lnRef idx="1">
+            <a:schemeClr val="accent1"/>
+          </a:lnRef>
+          <a:fillRef idx="0">
+            <a:schemeClr val="accent1"/>
+          </a:fillRef>
+          <a:effectRef idx="0">
+            <a:schemeClr val="accent1"/>
+          </a:effectRef>
+          <a:fontRef idx="minor">
+            <a:schemeClr val="tx1"/>
+          </a:fontRef>
+        </p:style>
+      </p:cxnSp>
+      <p:cxnSp>
+        <p:nvCxnSpPr>
+          <p:cNvPr id="24" name="直接连接符 23"/>
+          <p:cNvCxnSpPr>
+            <a:stCxn id="5" idx="2"/>
+          </p:cNvCxnSpPr>
+          <p:nvPr/>
+        </p:nvCxnSpPr>
+        <p:spPr>
+          <a:xfrm flipH="1">
+            <a:off x="5511265" y="1148185"/>
+            <a:ext cx="1268888" cy="838877"/>
+          </a:xfrm>
+          <a:prstGeom prst="line">
+            <a:avLst/>
+          </a:prstGeom>
+        </p:spPr>
+        <p:style>
+          <a:lnRef idx="1">
+            <a:schemeClr val="accent1"/>
+          </a:lnRef>
+          <a:fillRef idx="0">
+            <a:schemeClr val="accent1"/>
+          </a:fillRef>
+          <a:effectRef idx="0">
+            <a:schemeClr val="accent1"/>
+          </a:effectRef>
+          <a:fontRef idx="minor">
+            <a:schemeClr val="tx1"/>
+          </a:fontRef>
+        </p:style>
+      </p:cxnSp>
+      <p:sp>
+        <p:nvSpPr>
+          <p:cNvPr id="25" name="文本框 24"/>
+          <p:cNvSpPr txBox="1"/>
+          <p:nvPr/>
+        </p:nvSpPr>
+        <p:spPr>
+          <a:xfrm>
+            <a:off x="4476393" y="1362590"/>
+            <a:ext cx="2339102" cy="276999"/>
+          </a:xfrm>
+          <a:prstGeom prst="rect">
+            <a:avLst/>
+          </a:prstGeom>
+          <a:noFill/>
+        </p:spPr>
+        <p:txBody>
+          <a:bodyPr wrap="none" rtlCol="0">
+            <a:spAutoFit/>
+          </a:bodyPr>
+          <a:lstStyle/>
+          <a:p>
+            <a:r>
+              <a:rPr lang="zh-CN" altLang="en-US" sz="1200" dirty="0" smtClean="0"/>
+              <a:t>根据二值化图像去除原图中阴影</a:t>
+            </a:r>
+            <a:endParaRPr lang="zh-CN" altLang="en-US" sz="1200" dirty="0"/>
+          </a:p>
+        </p:txBody>
+      </p:sp>
+      <p:pic>
+        <p:nvPicPr>
+          <p:cNvPr id="26" name="图片 25"/>
+          <p:cNvPicPr>
+            <a:picLocks noChangeAspect="1"/>
+          </p:cNvPicPr>
+          <p:nvPr/>
+        </p:nvPicPr>
+        <p:blipFill>
+          <a:blip r:embed="rId5" cstate="print">
+            <a:extLst>
+              <a:ext uri="{28A0092B-C50C-407E-A947-70E740481C1C}">
+                <a14:useLocalDpi xmlns:a14="http://schemas.microsoft.com/office/drawing/2010/main" val="0"/>
+              </a:ext>
+            </a:extLst>
+          </a:blip>
+          <a:stretch>
+            <a:fillRect/>
+          </a:stretch>
+        </p:blipFill>
+        <p:spPr>
+          <a:xfrm>
+            <a:off x="7411917" y="2310067"/>
+            <a:ext cx="1333868" cy="1026052"/>
+          </a:xfrm>
+          <a:prstGeom prst="rect">
+            <a:avLst/>
+          </a:prstGeom>
+        </p:spPr>
+      </p:pic>
+      <p:cxnSp>
+        <p:nvCxnSpPr>
+          <p:cNvPr id="28" name="直接箭头连接符 27"/>
+          <p:cNvCxnSpPr>
+            <a:stCxn id="11" idx="3"/>
+            <a:endCxn id="26" idx="1"/>
+          </p:cNvCxnSpPr>
+          <p:nvPr/>
+        </p:nvCxnSpPr>
+        <p:spPr>
+          <a:xfrm flipV="1">
+            <a:off x="6134237" y="2823093"/>
+            <a:ext cx="1277680" cy="1"/>
+          </a:xfrm>
+          <a:prstGeom prst="straightConnector1">
+            <a:avLst/>
+          </a:prstGeom>
+          <a:ln>
+            <a:tailEnd type="triangle"/>
+          </a:ln>
+        </p:spPr>
+        <p:style>
+          <a:lnRef idx="1">
+            <a:schemeClr val="accent1"/>
+          </a:lnRef>
+          <a:fillRef idx="0">
+            <a:schemeClr val="accent1"/>
+          </a:fillRef>
+          <a:effectRef idx="0">
+            <a:schemeClr val="accent1"/>
+          </a:effectRef>
+          <a:fontRef idx="minor">
+            <a:schemeClr val="tx1"/>
+          </a:fontRef>
+        </p:style>
+      </p:cxnSp>
+      <p:sp>
+        <p:nvSpPr>
+          <p:cNvPr id="30" name="文本框 29"/>
+          <p:cNvSpPr txBox="1"/>
+          <p:nvPr/>
+        </p:nvSpPr>
+        <p:spPr>
+          <a:xfrm>
+            <a:off x="6110282" y="2515316"/>
+            <a:ext cx="1269899" cy="307777"/>
+          </a:xfrm>
+          <a:prstGeom prst="rect">
+            <a:avLst/>
+          </a:prstGeom>
+          <a:noFill/>
+        </p:spPr>
+        <p:txBody>
+          <a:bodyPr wrap="none" rtlCol="0">
+            <a:spAutoFit/>
+          </a:bodyPr>
+          <a:lstStyle/>
+          <a:p>
+            <a:r>
+              <a:rPr lang="en-US" altLang="zh-CN" sz="1400" dirty="0" err="1" smtClean="0"/>
+              <a:t>Kmeans</a:t>
+            </a:r>
+            <a:r>
+              <a:rPr lang="zh-CN" altLang="en-US" sz="1400" dirty="0" smtClean="0"/>
+              <a:t>，</a:t>
+            </a:r>
+            <a:r>
+              <a:rPr lang="en-US" altLang="zh-CN" sz="1400" dirty="0" smtClean="0"/>
+              <a:t>k=3</a:t>
+            </a:r>
+            <a:endParaRPr lang="zh-CN" altLang="en-US" sz="1400" dirty="0"/>
+          </a:p>
+        </p:txBody>
+      </p:sp>
+      <p:pic>
+        <p:nvPicPr>
+          <p:cNvPr id="31" name="图片 30"/>
+          <p:cNvPicPr>
+            <a:picLocks noChangeAspect="1"/>
+          </p:cNvPicPr>
+          <p:nvPr/>
+        </p:nvPicPr>
+        <p:blipFill>
+          <a:blip r:embed="rId6">
+            <a:extLst>
+              <a:ext uri="{28A0092B-C50C-407E-A947-70E740481C1C}">
+                <a14:useLocalDpi xmlns:a14="http://schemas.microsoft.com/office/drawing/2010/main" val="0"/>
+              </a:ext>
+            </a:extLst>
+          </a:blip>
+          <a:stretch>
+            <a:fillRect/>
+          </a:stretch>
+        </p:blipFill>
+        <p:spPr>
+          <a:xfrm>
+            <a:off x="8898183" y="275051"/>
+            <a:ext cx="873134" cy="873134"/>
+          </a:xfrm>
+          <a:prstGeom prst="rect">
+            <a:avLst/>
+          </a:prstGeom>
+        </p:spPr>
+      </p:pic>
+      <p:cxnSp>
+        <p:nvCxnSpPr>
+          <p:cNvPr id="33" name="直接箭头连接符 32"/>
+          <p:cNvCxnSpPr>
+            <a:stCxn id="26" idx="0"/>
+            <a:endCxn id="31" idx="1"/>
+          </p:cNvCxnSpPr>
+          <p:nvPr/>
+        </p:nvCxnSpPr>
+        <p:spPr>
+          <a:xfrm flipV="1">
+            <a:off x="8078851" y="711618"/>
+            <a:ext cx="819332" cy="1598449"/>
+          </a:xfrm>
+          <a:prstGeom prst="straightConnector1">
+            <a:avLst/>
+          </a:prstGeom>
+          <a:ln>
+            <a:tailEnd type="triangle"/>
+          </a:ln>
+        </p:spPr>
+        <p:style>
+          <a:lnRef idx="1">
+            <a:schemeClr val="accent1"/>
+          </a:lnRef>
+          <a:fillRef idx="0">
+            <a:schemeClr val="accent1"/>
+          </a:fillRef>
+          <a:effectRef idx="0">
+            <a:schemeClr val="accent1"/>
+          </a:effectRef>
+          <a:fontRef idx="minor">
+            <a:schemeClr val="tx1"/>
+          </a:fontRef>
+        </p:style>
+      </p:cxnSp>
+      <p:sp>
+        <p:nvSpPr>
+          <p:cNvPr id="34" name="文本框 33"/>
+          <p:cNvSpPr txBox="1"/>
+          <p:nvPr/>
+        </p:nvSpPr>
+        <p:spPr>
+          <a:xfrm>
+            <a:off x="7762096" y="1510842"/>
+            <a:ext cx="1261884" cy="523220"/>
+          </a:xfrm>
+          <a:prstGeom prst="rect">
+            <a:avLst/>
+          </a:prstGeom>
+          <a:noFill/>
+        </p:spPr>
+        <p:txBody>
+          <a:bodyPr wrap="none" rtlCol="0">
+            <a:spAutoFit/>
+          </a:bodyPr>
+          <a:lstStyle/>
+          <a:p>
+            <a:r>
+              <a:rPr lang="zh-CN" altLang="en-US" sz="1400" dirty="0" smtClean="0"/>
+              <a:t>取出非背景</a:t>
+            </a:r>
+            <a:endParaRPr lang="en-US" altLang="zh-CN" sz="1400" dirty="0" smtClean="0"/>
+          </a:p>
+          <a:p>
+            <a:r>
+              <a:rPr lang="zh-CN" altLang="en-US" sz="1400" dirty="0" smtClean="0"/>
+              <a:t>有效图像空间</a:t>
+            </a:r>
+            <a:endParaRPr lang="zh-CN" altLang="en-US" sz="1400" dirty="0"/>
+          </a:p>
+        </p:txBody>
+      </p:sp>
+      <p:sp>
+        <p:nvSpPr>
+          <p:cNvPr id="35" name="文本框 34"/>
+          <p:cNvSpPr txBox="1"/>
+          <p:nvPr/>
+        </p:nvSpPr>
+        <p:spPr>
+          <a:xfrm>
+            <a:off x="10384449" y="557729"/>
+            <a:ext cx="995785" cy="307777"/>
+          </a:xfrm>
+          <a:prstGeom prst="rect">
+            <a:avLst/>
+          </a:prstGeom>
+          <a:noFill/>
+        </p:spPr>
+        <p:txBody>
+          <a:bodyPr wrap="none" rtlCol="0">
+            <a:spAutoFit/>
+          </a:bodyPr>
+          <a:lstStyle/>
+          <a:p>
+            <a:r>
+              <a:rPr lang="zh-CN" altLang="en-US" sz="1400" dirty="0" smtClean="0"/>
+              <a:t>求得阈值</a:t>
+            </a:r>
+            <a:r>
+              <a:rPr lang="en-US" altLang="zh-CN" sz="1400" dirty="0" smtClean="0"/>
+              <a:t>T</a:t>
+            </a:r>
+            <a:endParaRPr lang="zh-CN" altLang="en-US" sz="1400" dirty="0"/>
+          </a:p>
+        </p:txBody>
+      </p:sp>
+      <p:cxnSp>
+        <p:nvCxnSpPr>
+          <p:cNvPr id="37" name="直接箭头连接符 36"/>
+          <p:cNvCxnSpPr>
+            <a:stCxn id="31" idx="3"/>
+            <a:endCxn id="35" idx="1"/>
+          </p:cNvCxnSpPr>
+          <p:nvPr/>
+        </p:nvCxnSpPr>
+        <p:spPr>
+          <a:xfrm>
+            <a:off x="9771317" y="711618"/>
+            <a:ext cx="613132" cy="0"/>
+          </a:xfrm>
+          <a:prstGeom prst="straightConnector1">
+            <a:avLst/>
+          </a:prstGeom>
+          <a:ln>
+            <a:tailEnd type="triangle"/>
+          </a:ln>
+        </p:spPr>
+        <p:style>
+          <a:lnRef idx="1">
+            <a:schemeClr val="accent1"/>
+          </a:lnRef>
+          <a:fillRef idx="0">
+            <a:schemeClr val="accent1"/>
+          </a:fillRef>
+          <a:effectRef idx="0">
+            <a:schemeClr val="accent1"/>
+          </a:effectRef>
+          <a:fontRef idx="minor">
+            <a:schemeClr val="tx1"/>
+          </a:fontRef>
+        </p:style>
+      </p:cxnSp>
+      <p:pic>
+        <p:nvPicPr>
+          <p:cNvPr id="38" name="图片 37"/>
+          <p:cNvPicPr>
+            <a:picLocks noChangeAspect="1"/>
+          </p:cNvPicPr>
+          <p:nvPr/>
+        </p:nvPicPr>
+        <p:blipFill>
+          <a:blip r:embed="rId7">
+            <a:extLst>
+              <a:ext uri="{28A0092B-C50C-407E-A947-70E740481C1C}">
+                <a14:useLocalDpi xmlns:a14="http://schemas.microsoft.com/office/drawing/2010/main" val="0"/>
+              </a:ext>
+            </a:extLst>
+          </a:blip>
+          <a:stretch>
+            <a:fillRect/>
+          </a:stretch>
+        </p:blipFill>
+        <p:spPr>
+          <a:xfrm>
+            <a:off x="10378960" y="2107568"/>
+            <a:ext cx="1460253" cy="1123272"/>
+          </a:xfrm>
+          <a:prstGeom prst="rect">
+            <a:avLst/>
+          </a:prstGeom>
+        </p:spPr>
+      </p:pic>
+      <p:cxnSp>
+        <p:nvCxnSpPr>
+          <p:cNvPr id="40" name="直接箭头连接符 39"/>
+          <p:cNvCxnSpPr>
+            <a:stCxn id="35" idx="2"/>
+            <a:endCxn id="44" idx="0"/>
+          </p:cNvCxnSpPr>
+          <p:nvPr/>
+        </p:nvCxnSpPr>
+        <p:spPr>
+          <a:xfrm flipH="1">
+            <a:off x="9929097" y="865506"/>
+            <a:ext cx="953245" cy="1043188"/>
+          </a:xfrm>
+          <a:prstGeom prst="straightConnector1">
+            <a:avLst/>
+          </a:prstGeom>
+          <a:ln>
+            <a:tailEnd type="triangle"/>
+          </a:ln>
+        </p:spPr>
+        <p:style>
+          <a:lnRef idx="1">
+            <a:schemeClr val="accent1"/>
+          </a:lnRef>
+          <a:fillRef idx="0">
+            <a:schemeClr val="accent1"/>
+          </a:fillRef>
+          <a:effectRef idx="0">
+            <a:schemeClr val="accent1"/>
+          </a:effectRef>
+          <a:fontRef idx="minor">
+            <a:schemeClr val="tx1"/>
+          </a:fontRef>
+        </p:style>
+      </p:cxnSp>
+      <p:cxnSp>
+        <p:nvCxnSpPr>
+          <p:cNvPr id="42" name="直接箭头连接符 41"/>
+          <p:cNvCxnSpPr>
+            <a:stCxn id="31" idx="2"/>
+            <a:endCxn id="38" idx="1"/>
+          </p:cNvCxnSpPr>
+          <p:nvPr/>
+        </p:nvCxnSpPr>
+        <p:spPr>
+          <a:xfrm>
+            <a:off x="9334750" y="1148185"/>
+            <a:ext cx="1044210" cy="1521019"/>
+          </a:xfrm>
+          <a:prstGeom prst="straightConnector1">
+            <a:avLst/>
+          </a:prstGeom>
+          <a:ln>
+            <a:tailEnd type="triangle"/>
+          </a:ln>
+        </p:spPr>
+        <p:style>
+          <a:lnRef idx="1">
+            <a:schemeClr val="accent1"/>
+          </a:lnRef>
+          <a:fillRef idx="0">
+            <a:schemeClr val="accent1"/>
+          </a:fillRef>
+          <a:effectRef idx="0">
+            <a:schemeClr val="accent1"/>
+          </a:effectRef>
+          <a:fontRef idx="minor">
+            <a:schemeClr val="tx1"/>
+          </a:fontRef>
+        </p:style>
+      </p:cxnSp>
+      <p:sp>
+        <p:nvSpPr>
+          <p:cNvPr id="44" name="文本框 43"/>
+          <p:cNvSpPr txBox="1"/>
+          <p:nvPr/>
+        </p:nvSpPr>
+        <p:spPr>
+          <a:xfrm>
+            <a:off x="9161900" y="1908694"/>
+            <a:ext cx="1534394" cy="307777"/>
+          </a:xfrm>
+          <a:prstGeom prst="rect">
+            <a:avLst/>
+          </a:prstGeom>
+          <a:noFill/>
+        </p:spPr>
+        <p:txBody>
+          <a:bodyPr wrap="none" rtlCol="0">
+            <a:spAutoFit/>
+          </a:bodyPr>
+          <a:lstStyle/>
+          <a:p>
+            <a:r>
+              <a:rPr lang="zh-CN" altLang="en-US" sz="1400" dirty="0" smtClean="0"/>
+              <a:t>根据阈值</a:t>
+            </a:r>
+            <a:r>
+              <a:rPr lang="en-US" altLang="zh-CN" sz="1400" dirty="0" smtClean="0"/>
+              <a:t>T</a:t>
+            </a:r>
+            <a:r>
+              <a:rPr lang="zh-CN" altLang="en-US" sz="1400" dirty="0" smtClean="0"/>
+              <a:t>二值化</a:t>
+            </a:r>
+            <a:endParaRPr lang="zh-CN" altLang="en-US" sz="1400" dirty="0"/>
+          </a:p>
+        </p:txBody>
+      </p:sp>
+      <p:pic>
+        <p:nvPicPr>
+          <p:cNvPr id="46" name="图片 45"/>
+          <p:cNvPicPr>
+            <a:picLocks noChangeAspect="1"/>
+          </p:cNvPicPr>
+          <p:nvPr/>
+        </p:nvPicPr>
+        <p:blipFill>
+          <a:blip r:embed="rId3" cstate="print">
+            <a:extLst>
+              <a:ext uri="{28A0092B-C50C-407E-A947-70E740481C1C}">
+                <a14:useLocalDpi xmlns:a14="http://schemas.microsoft.com/office/drawing/2010/main" val="0"/>
+              </a:ext>
+            </a:extLst>
+          </a:blip>
+          <a:stretch>
+            <a:fillRect/>
+          </a:stretch>
+        </p:blipFill>
+        <p:spPr>
+          <a:xfrm>
+            <a:off x="10407487" y="4619286"/>
+            <a:ext cx="1263528" cy="971945"/>
+          </a:xfrm>
+          <a:prstGeom prst="rect">
+            <a:avLst/>
+          </a:prstGeom>
+        </p:spPr>
+      </p:pic>
+      <p:pic>
+        <p:nvPicPr>
+          <p:cNvPr id="47" name="图片 46"/>
+          <p:cNvPicPr>
+            <a:picLocks noChangeAspect="1"/>
+          </p:cNvPicPr>
+          <p:nvPr/>
+        </p:nvPicPr>
+        <p:blipFill>
+          <a:blip r:embed="rId8">
+            <a:extLst>
+              <a:ext uri="{28A0092B-C50C-407E-A947-70E740481C1C}">
+                <a14:useLocalDpi xmlns:a14="http://schemas.microsoft.com/office/drawing/2010/main" val="0"/>
+              </a:ext>
+            </a:extLst>
+          </a:blip>
+          <a:stretch>
+            <a:fillRect/>
+          </a:stretch>
+        </p:blipFill>
+        <p:spPr>
+          <a:xfrm>
+            <a:off x="8195288" y="3378353"/>
+            <a:ext cx="1878990" cy="1445377"/>
+          </a:xfrm>
+          <a:prstGeom prst="rect">
+            <a:avLst/>
+          </a:prstGeom>
+        </p:spPr>
+      </p:pic>
+      <p:cxnSp>
+        <p:nvCxnSpPr>
+          <p:cNvPr id="53" name="直接箭头连接符 52"/>
+          <p:cNvCxnSpPr>
+            <a:endCxn id="47" idx="3"/>
+          </p:cNvCxnSpPr>
+          <p:nvPr/>
+        </p:nvCxnSpPr>
+        <p:spPr>
+          <a:xfrm flipH="1">
+            <a:off x="10074278" y="4101041"/>
+            <a:ext cx="808063" cy="1"/>
+          </a:xfrm>
+          <a:prstGeom prst="straightConnector1">
+            <a:avLst/>
+          </a:prstGeom>
+          <a:ln>
+            <a:tailEnd type="triangle"/>
+          </a:ln>
+        </p:spPr>
+        <p:style>
+          <a:lnRef idx="1">
+            <a:schemeClr val="accent1"/>
+          </a:lnRef>
+          <a:fillRef idx="0">
+            <a:schemeClr val="accent1"/>
+          </a:fillRef>
+          <a:effectRef idx="0">
+            <a:schemeClr val="accent1"/>
+          </a:effectRef>
+          <a:fontRef idx="minor">
+            <a:schemeClr val="tx1"/>
+          </a:fontRef>
+        </p:style>
+      </p:cxnSp>
+      <p:cxnSp>
+        <p:nvCxnSpPr>
+          <p:cNvPr id="55" name="直接连接符 54"/>
+          <p:cNvCxnSpPr>
+            <a:stCxn id="38" idx="2"/>
+          </p:cNvCxnSpPr>
+          <p:nvPr/>
+        </p:nvCxnSpPr>
+        <p:spPr>
+          <a:xfrm flipH="1">
+            <a:off x="10882341" y="3230840"/>
+            <a:ext cx="226746" cy="870201"/>
+          </a:xfrm>
+          <a:prstGeom prst="line">
+            <a:avLst/>
+          </a:prstGeom>
+        </p:spPr>
+        <p:style>
+          <a:lnRef idx="1">
+            <a:schemeClr val="accent1"/>
+          </a:lnRef>
+          <a:fillRef idx="0">
+            <a:schemeClr val="accent1"/>
+          </a:fillRef>
+          <a:effectRef idx="0">
+            <a:schemeClr val="accent1"/>
+          </a:effectRef>
+          <a:fontRef idx="minor">
+            <a:schemeClr val="tx1"/>
+          </a:fontRef>
+        </p:style>
+      </p:cxnSp>
+      <p:cxnSp>
+        <p:nvCxnSpPr>
+          <p:cNvPr id="57" name="直接连接符 56"/>
+          <p:cNvCxnSpPr>
+            <a:stCxn id="46" idx="0"/>
+          </p:cNvCxnSpPr>
+          <p:nvPr/>
+        </p:nvCxnSpPr>
+        <p:spPr>
+          <a:xfrm flipH="1" flipV="1">
+            <a:off x="10882341" y="4101041"/>
+            <a:ext cx="156910" cy="518245"/>
+          </a:xfrm>
+          <a:prstGeom prst="line">
+            <a:avLst/>
+          </a:prstGeom>
+        </p:spPr>
+        <p:style>
+          <a:lnRef idx="1">
+            <a:schemeClr val="accent1"/>
+          </a:lnRef>
+          <a:fillRef idx="0">
+            <a:schemeClr val="accent1"/>
+          </a:fillRef>
+          <a:effectRef idx="0">
+            <a:schemeClr val="accent1"/>
+          </a:effectRef>
+          <a:fontRef idx="minor">
+            <a:schemeClr val="tx1"/>
+          </a:fontRef>
+        </p:style>
+      </p:cxnSp>
+      <p:sp>
+        <p:nvSpPr>
+          <p:cNvPr id="58" name="文本框 57"/>
+          <p:cNvSpPr txBox="1"/>
+          <p:nvPr/>
+        </p:nvSpPr>
+        <p:spPr>
+          <a:xfrm>
+            <a:off x="10610471" y="3947151"/>
+            <a:ext cx="543739" cy="307777"/>
+          </a:xfrm>
+          <a:prstGeom prst="rect">
+            <a:avLst/>
+          </a:prstGeom>
+          <a:noFill/>
+        </p:spPr>
+        <p:txBody>
+          <a:bodyPr wrap="none" rtlCol="0">
+            <a:spAutoFit/>
+          </a:bodyPr>
+          <a:lstStyle/>
+          <a:p>
+            <a:r>
+              <a:rPr lang="zh-CN" altLang="en-US" sz="1400" dirty="0" smtClean="0"/>
+              <a:t>相减</a:t>
+            </a:r>
+            <a:endParaRPr lang="zh-CN" altLang="en-US" sz="1400" dirty="0"/>
+          </a:p>
+        </p:txBody>
+      </p:sp>
+      <p:pic>
+        <p:nvPicPr>
+          <p:cNvPr id="59" name="图片 58"/>
+          <p:cNvPicPr>
+            <a:picLocks noChangeAspect="1"/>
+          </p:cNvPicPr>
+          <p:nvPr/>
+        </p:nvPicPr>
+        <p:blipFill>
+          <a:blip r:embed="rId9" cstate="print">
+            <a:extLst>
+              <a:ext uri="{28A0092B-C50C-407E-A947-70E740481C1C}">
+                <a14:useLocalDpi xmlns:a14="http://schemas.microsoft.com/office/drawing/2010/main" val="0"/>
+              </a:ext>
+            </a:extLst>
+          </a:blip>
+          <a:stretch>
+            <a:fillRect/>
+          </a:stretch>
+        </p:blipFill>
+        <p:spPr>
+          <a:xfrm>
+            <a:off x="2287374" y="1431982"/>
+            <a:ext cx="1239450" cy="953423"/>
+          </a:xfrm>
+          <a:prstGeom prst="rect">
+            <a:avLst/>
+          </a:prstGeom>
+        </p:spPr>
+      </p:pic>
+      <p:cxnSp>
+        <p:nvCxnSpPr>
+          <p:cNvPr id="61" name="直接箭头连接符 60"/>
+          <p:cNvCxnSpPr>
+            <a:stCxn id="11" idx="1"/>
+            <a:endCxn id="59" idx="3"/>
+          </p:cNvCxnSpPr>
+          <p:nvPr/>
+        </p:nvCxnSpPr>
+        <p:spPr>
+          <a:xfrm flipH="1" flipV="1">
+            <a:off x="3526824" y="1908694"/>
+            <a:ext cx="1361469" cy="914400"/>
+          </a:xfrm>
+          <a:prstGeom prst="straightConnector1">
+            <a:avLst/>
+          </a:prstGeom>
+          <a:ln>
+            <a:tailEnd type="triangle"/>
+          </a:ln>
+        </p:spPr>
+        <p:style>
+          <a:lnRef idx="1">
+            <a:schemeClr val="accent1"/>
+          </a:lnRef>
+          <a:fillRef idx="0">
+            <a:schemeClr val="accent1"/>
+          </a:fillRef>
+          <a:effectRef idx="0">
+            <a:schemeClr val="accent1"/>
+          </a:effectRef>
+          <a:fontRef idx="minor">
+            <a:schemeClr val="tx1"/>
+          </a:fontRef>
+        </p:style>
+      </p:cxnSp>
+      <p:sp>
+        <p:nvSpPr>
+          <p:cNvPr id="62" name="文本框 61"/>
+          <p:cNvSpPr txBox="1"/>
+          <p:nvPr/>
+        </p:nvSpPr>
+        <p:spPr>
+          <a:xfrm>
+            <a:off x="3993506" y="2231516"/>
+            <a:ext cx="465192" cy="307777"/>
+          </a:xfrm>
+          <a:prstGeom prst="rect">
+            <a:avLst/>
+          </a:prstGeom>
+          <a:noFill/>
+        </p:spPr>
+        <p:txBody>
+          <a:bodyPr wrap="none" rtlCol="0">
+            <a:spAutoFit/>
+          </a:bodyPr>
+          <a:lstStyle/>
+          <a:p>
+            <a:r>
+              <a:rPr lang="en-US" altLang="zh-CN" sz="1400" dirty="0" smtClean="0"/>
+              <a:t>(::1)</a:t>
+            </a:r>
+            <a:endParaRPr lang="zh-CN" altLang="en-US" sz="1400" dirty="0"/>
+          </a:p>
+        </p:txBody>
+      </p:sp>
+      <p:pic>
+        <p:nvPicPr>
+          <p:cNvPr id="63" name="图片 62"/>
+          <p:cNvPicPr>
+            <a:picLocks noChangeAspect="1"/>
+          </p:cNvPicPr>
+          <p:nvPr/>
+        </p:nvPicPr>
+        <p:blipFill>
+          <a:blip r:embed="rId10">
+            <a:extLst>
+              <a:ext uri="{28A0092B-C50C-407E-A947-70E740481C1C}">
+                <a14:useLocalDpi xmlns:a14="http://schemas.microsoft.com/office/drawing/2010/main" val="0"/>
+              </a:ext>
+            </a:extLst>
+          </a:blip>
+          <a:stretch>
+            <a:fillRect/>
+          </a:stretch>
+        </p:blipFill>
+        <p:spPr>
+          <a:xfrm>
+            <a:off x="1732017" y="3378353"/>
+            <a:ext cx="1890636" cy="1454335"/>
+          </a:xfrm>
+          <a:prstGeom prst="rect">
+            <a:avLst/>
+          </a:prstGeom>
+        </p:spPr>
+      </p:pic>
+      <p:cxnSp>
+        <p:nvCxnSpPr>
+          <p:cNvPr id="64" name="直接箭头连接符 63"/>
+          <p:cNvCxnSpPr>
+            <a:stCxn id="59" idx="2"/>
+            <a:endCxn id="63" idx="0"/>
+          </p:cNvCxnSpPr>
+          <p:nvPr/>
+        </p:nvCxnSpPr>
+        <p:spPr>
+          <a:xfrm flipH="1">
+            <a:off x="2677335" y="2385405"/>
+            <a:ext cx="229764" cy="992948"/>
+          </a:xfrm>
+          <a:prstGeom prst="straightConnector1">
+            <a:avLst/>
+          </a:prstGeom>
+          <a:ln>
+            <a:tailEnd type="triangle"/>
+          </a:ln>
+        </p:spPr>
+        <p:style>
+          <a:lnRef idx="1">
+            <a:schemeClr val="accent1"/>
+          </a:lnRef>
+          <a:fillRef idx="0">
+            <a:schemeClr val="accent1"/>
+          </a:fillRef>
+          <a:effectRef idx="0">
+            <a:schemeClr val="accent1"/>
+          </a:effectRef>
+          <a:fontRef idx="minor">
+            <a:schemeClr val="tx1"/>
+          </a:fontRef>
+        </p:style>
+      </p:cxnSp>
+      <p:sp>
+        <p:nvSpPr>
+          <p:cNvPr id="67" name="文本框 66"/>
+          <p:cNvSpPr txBox="1"/>
+          <p:nvPr/>
+        </p:nvSpPr>
+        <p:spPr>
+          <a:xfrm>
+            <a:off x="2468582" y="2684593"/>
+            <a:ext cx="646331" cy="276999"/>
+          </a:xfrm>
+          <a:prstGeom prst="rect">
+            <a:avLst/>
+          </a:prstGeom>
+          <a:noFill/>
+        </p:spPr>
+        <p:txBody>
+          <a:bodyPr wrap="none" rtlCol="0">
+            <a:spAutoFit/>
+          </a:bodyPr>
+          <a:lstStyle/>
+          <a:p>
+            <a:r>
+              <a:rPr lang="zh-CN" altLang="en-US" sz="1200" dirty="0" smtClean="0"/>
+              <a:t>二值化</a:t>
+            </a:r>
+            <a:endParaRPr lang="zh-CN" altLang="en-US" sz="1200" dirty="0"/>
+          </a:p>
+        </p:txBody>
+      </p:sp>
+      <p:pic>
+        <p:nvPicPr>
+          <p:cNvPr id="70" name="图片 69"/>
+          <p:cNvPicPr>
+            <a:picLocks noChangeAspect="1"/>
+          </p:cNvPicPr>
+          <p:nvPr/>
+        </p:nvPicPr>
+        <p:blipFill>
+          <a:blip r:embed="rId3" cstate="print">
+            <a:extLst>
+              <a:ext uri="{28A0092B-C50C-407E-A947-70E740481C1C}">
+                <a14:useLocalDpi xmlns:a14="http://schemas.microsoft.com/office/drawing/2010/main" val="0"/>
+              </a:ext>
+            </a:extLst>
+          </a:blip>
+          <a:stretch>
+            <a:fillRect/>
+          </a:stretch>
+        </p:blipFill>
+        <p:spPr>
+          <a:xfrm>
+            <a:off x="1631550" y="5825636"/>
+            <a:ext cx="1263528" cy="971945"/>
+          </a:xfrm>
+          <a:prstGeom prst="rect">
+            <a:avLst/>
+          </a:prstGeom>
+        </p:spPr>
+      </p:pic>
+      <p:pic>
+        <p:nvPicPr>
+          <p:cNvPr id="71" name="图片 70"/>
+          <p:cNvPicPr>
+            <a:picLocks noChangeAspect="1"/>
+          </p:cNvPicPr>
+          <p:nvPr/>
+        </p:nvPicPr>
+        <p:blipFill>
+          <a:blip r:embed="rId11">
+            <a:extLst>
+              <a:ext uri="{28A0092B-C50C-407E-A947-70E740481C1C}">
+                <a14:useLocalDpi xmlns:a14="http://schemas.microsoft.com/office/drawing/2010/main" val="0"/>
+              </a:ext>
+            </a:extLst>
+          </a:blip>
+          <a:stretch>
+            <a:fillRect/>
+          </a:stretch>
+        </p:blipFill>
+        <p:spPr>
+          <a:xfrm>
+            <a:off x="3741217" y="4671363"/>
+            <a:ext cx="1809650" cy="1392038"/>
+          </a:xfrm>
+          <a:prstGeom prst="rect">
+            <a:avLst/>
+          </a:prstGeom>
+        </p:spPr>
+      </p:pic>
+      <p:cxnSp>
+        <p:nvCxnSpPr>
+          <p:cNvPr id="75" name="直接箭头连接符 74"/>
+          <p:cNvCxnSpPr>
+            <a:endCxn id="71" idx="1"/>
+          </p:cNvCxnSpPr>
+          <p:nvPr/>
+        </p:nvCxnSpPr>
+        <p:spPr>
+          <a:xfrm>
+            <a:off x="3217985" y="5367382"/>
+            <a:ext cx="523232" cy="0"/>
+          </a:xfrm>
+          <a:prstGeom prst="straightConnector1">
+            <a:avLst/>
+          </a:prstGeom>
+          <a:ln>
+            <a:tailEnd type="triangle"/>
+          </a:ln>
+        </p:spPr>
+        <p:style>
+          <a:lnRef idx="1">
+            <a:schemeClr val="accent1"/>
+          </a:lnRef>
+          <a:fillRef idx="0">
+            <a:schemeClr val="accent1"/>
+          </a:fillRef>
+          <a:effectRef idx="0">
+            <a:schemeClr val="accent1"/>
+          </a:effectRef>
+          <a:fontRef idx="minor">
+            <a:schemeClr val="tx1"/>
+          </a:fontRef>
+        </p:style>
+      </p:cxnSp>
+      <p:cxnSp>
+        <p:nvCxnSpPr>
+          <p:cNvPr id="78" name="直接连接符 77"/>
+          <p:cNvCxnSpPr>
+            <a:stCxn id="63" idx="2"/>
+          </p:cNvCxnSpPr>
+          <p:nvPr/>
+        </p:nvCxnSpPr>
+        <p:spPr>
+          <a:xfrm>
+            <a:off x="2677335" y="4832688"/>
+            <a:ext cx="540650" cy="534694"/>
+          </a:xfrm>
+          <a:prstGeom prst="line">
+            <a:avLst/>
+          </a:prstGeom>
+        </p:spPr>
+        <p:style>
+          <a:lnRef idx="1">
+            <a:schemeClr val="accent1"/>
+          </a:lnRef>
+          <a:fillRef idx="0">
+            <a:schemeClr val="accent1"/>
+          </a:fillRef>
+          <a:effectRef idx="0">
+            <a:schemeClr val="accent1"/>
+          </a:effectRef>
+          <a:fontRef idx="minor">
+            <a:schemeClr val="tx1"/>
+          </a:fontRef>
+        </p:style>
+      </p:cxnSp>
+      <p:cxnSp>
+        <p:nvCxnSpPr>
+          <p:cNvPr id="80" name="直接连接符 79"/>
+          <p:cNvCxnSpPr>
+            <a:stCxn id="70" idx="0"/>
+          </p:cNvCxnSpPr>
+          <p:nvPr/>
+        </p:nvCxnSpPr>
+        <p:spPr>
+          <a:xfrm flipV="1">
+            <a:off x="2263314" y="5367382"/>
+            <a:ext cx="954671" cy="458254"/>
+          </a:xfrm>
+          <a:prstGeom prst="line">
+            <a:avLst/>
+          </a:prstGeom>
+        </p:spPr>
+        <p:style>
+          <a:lnRef idx="1">
+            <a:schemeClr val="accent1"/>
+          </a:lnRef>
+          <a:fillRef idx="0">
+            <a:schemeClr val="accent1"/>
+          </a:fillRef>
+          <a:effectRef idx="0">
+            <a:schemeClr val="accent1"/>
+          </a:effectRef>
+          <a:fontRef idx="minor">
+            <a:schemeClr val="tx1"/>
+          </a:fontRef>
+        </p:style>
+      </p:cxnSp>
+      <p:sp>
+        <p:nvSpPr>
+          <p:cNvPr id="81" name="文本框 80"/>
+          <p:cNvSpPr txBox="1"/>
+          <p:nvPr/>
+        </p:nvSpPr>
+        <p:spPr>
+          <a:xfrm>
+            <a:off x="2876580" y="5200828"/>
+            <a:ext cx="543739" cy="307777"/>
+          </a:xfrm>
+          <a:prstGeom prst="rect">
+            <a:avLst/>
+          </a:prstGeom>
+          <a:noFill/>
+        </p:spPr>
+        <p:txBody>
+          <a:bodyPr wrap="none" rtlCol="0">
+            <a:spAutoFit/>
+          </a:bodyPr>
+          <a:lstStyle/>
+          <a:p>
+            <a:r>
+              <a:rPr lang="zh-CN" altLang="en-US" sz="1400" dirty="0" smtClean="0"/>
+              <a:t>相减</a:t>
+            </a:r>
+            <a:endParaRPr lang="zh-CN" altLang="en-US" sz="1400" dirty="0"/>
+          </a:p>
+        </p:txBody>
+      </p:sp>
+      <p:sp>
+        <p:nvSpPr>
+          <p:cNvPr id="82" name="矩形 81"/>
+          <p:cNvSpPr/>
+          <p:nvPr/>
+        </p:nvSpPr>
+        <p:spPr>
+          <a:xfrm>
+            <a:off x="1631550" y="3657611"/>
+            <a:ext cx="1776458" cy="1226187"/>
+          </a:xfrm>
+          <a:prstGeom prst="rect">
+            <a:avLst/>
+          </a:prstGeom>
+          <a:noFill/>
+          <a:ln>
+            <a:solidFill>
+              <a:srgbClr val="FF0000"/>
+            </a:solidFill>
+          </a:ln>
+        </p:spPr>
+        <p:style>
+          <a:lnRef idx="2">
+            <a:schemeClr val="accent1">
+              <a:shade val="50000"/>
+            </a:schemeClr>
+          </a:lnRef>
+          <a:fillRef idx="1">
+            <a:schemeClr val="accent1"/>
+          </a:fillRef>
+          <a:effectRef idx="0">
+            <a:schemeClr val="accent1"/>
+          </a:effectRef>
+          <a:fontRef idx="minor">
+            <a:schemeClr val="lt1"/>
+          </a:fontRef>
+        </p:style>
+        <p:txBody>
+          <a:bodyPr rtlCol="0" anchor="ctr"/>
+          <a:lstStyle/>
+          <a:p>
+            <a:pPr algn="ctr"/>
+            <a:endParaRPr lang="zh-CN" altLang="en-US"/>
+          </a:p>
+        </p:txBody>
+      </p:sp>
+      <p:sp>
+        <p:nvSpPr>
+          <p:cNvPr id="83" name="矩形 82"/>
+          <p:cNvSpPr/>
+          <p:nvPr/>
+        </p:nvSpPr>
+        <p:spPr>
+          <a:xfrm>
+            <a:off x="8705007" y="3552309"/>
+            <a:ext cx="1776458" cy="1226187"/>
+          </a:xfrm>
+          <a:prstGeom prst="rect">
+            <a:avLst/>
+          </a:prstGeom>
+          <a:noFill/>
+          <a:ln>
+            <a:solidFill>
+              <a:srgbClr val="FF0000"/>
+            </a:solidFill>
+          </a:ln>
+        </p:spPr>
+        <p:style>
+          <a:lnRef idx="2">
+            <a:schemeClr val="accent1">
+              <a:shade val="50000"/>
+            </a:schemeClr>
+          </a:lnRef>
+          <a:fillRef idx="1">
+            <a:schemeClr val="accent1"/>
+          </a:fillRef>
+          <a:effectRef idx="0">
+            <a:schemeClr val="accent1"/>
+          </a:effectRef>
+          <a:fontRef idx="minor">
+            <a:schemeClr val="lt1"/>
+          </a:fontRef>
+        </p:style>
+        <p:txBody>
+          <a:bodyPr rtlCol="0" anchor="ctr"/>
+          <a:lstStyle/>
+          <a:p>
+            <a:pPr algn="ctr"/>
+            <a:endParaRPr lang="zh-CN" altLang="en-US"/>
+          </a:p>
+        </p:txBody>
+      </p:sp>
+      <p:sp>
+        <p:nvSpPr>
+          <p:cNvPr id="84" name="矩形 83"/>
+          <p:cNvSpPr/>
+          <p:nvPr/>
+        </p:nvSpPr>
+        <p:spPr>
+          <a:xfrm>
+            <a:off x="3915143" y="4599449"/>
+            <a:ext cx="1776458" cy="1226187"/>
+          </a:xfrm>
+          <a:prstGeom prst="rect">
+            <a:avLst/>
+          </a:prstGeom>
+          <a:noFill/>
+          <a:ln>
+            <a:solidFill>
+              <a:srgbClr val="FF0000"/>
+            </a:solidFill>
+          </a:ln>
+        </p:spPr>
+        <p:style>
+          <a:lnRef idx="2">
+            <a:schemeClr val="accent1">
+              <a:shade val="50000"/>
+            </a:schemeClr>
+          </a:lnRef>
+          <a:fillRef idx="1">
+            <a:schemeClr val="accent1"/>
+          </a:fillRef>
+          <a:effectRef idx="0">
+            <a:schemeClr val="accent1"/>
+          </a:effectRef>
+          <a:fontRef idx="minor">
+            <a:schemeClr val="lt1"/>
+          </a:fontRef>
+        </p:style>
+        <p:txBody>
+          <a:bodyPr rtlCol="0" anchor="ctr"/>
+          <a:lstStyle/>
+          <a:p>
+            <a:pPr algn="ctr"/>
+            <a:endParaRPr lang="zh-CN" altLang="en-US"/>
+          </a:p>
+        </p:txBody>
+      </p:sp>
+      <p:pic>
+        <p:nvPicPr>
+          <p:cNvPr id="85" name="图片 84"/>
+          <p:cNvPicPr>
+            <a:picLocks noChangeAspect="1"/>
+          </p:cNvPicPr>
+          <p:nvPr/>
+        </p:nvPicPr>
+        <p:blipFill>
+          <a:blip r:embed="rId12">
+            <a:extLst>
+              <a:ext uri="{28A0092B-C50C-407E-A947-70E740481C1C}">
+                <a14:useLocalDpi xmlns:a14="http://schemas.microsoft.com/office/drawing/2010/main" val="0"/>
+              </a:ext>
+            </a:extLst>
+          </a:blip>
+          <a:stretch>
+            <a:fillRect/>
+          </a:stretch>
+        </p:blipFill>
+        <p:spPr>
+          <a:xfrm>
+            <a:off x="8457103" y="5299352"/>
+            <a:ext cx="1540927" cy="1185328"/>
+          </a:xfrm>
+          <a:prstGeom prst="rect">
+            <a:avLst/>
+          </a:prstGeom>
+        </p:spPr>
+      </p:pic>
+      <p:cxnSp>
+        <p:nvCxnSpPr>
+          <p:cNvPr id="87" name="直接箭头连接符 86"/>
+          <p:cNvCxnSpPr/>
+          <p:nvPr/>
+        </p:nvCxnSpPr>
+        <p:spPr>
+          <a:xfrm>
+            <a:off x="9593236" y="4671363"/>
+            <a:ext cx="0" cy="696019"/>
+          </a:xfrm>
+          <a:prstGeom prst="straightConnector1">
+            <a:avLst/>
+          </a:prstGeom>
+          <a:ln>
+            <a:tailEnd type="triangle"/>
+          </a:ln>
+        </p:spPr>
+        <p:style>
+          <a:lnRef idx="1">
+            <a:schemeClr val="accent1"/>
+          </a:lnRef>
+          <a:fillRef idx="0">
+            <a:schemeClr val="accent1"/>
+          </a:fillRef>
+          <a:effectRef idx="0">
+            <a:schemeClr val="accent1"/>
+          </a:effectRef>
+          <a:fontRef idx="minor">
+            <a:schemeClr val="tx1"/>
+          </a:fontRef>
+        </p:style>
+      </p:cxnSp>
+      <p:sp>
+        <p:nvSpPr>
+          <p:cNvPr id="88" name="文本框 87"/>
+          <p:cNvSpPr txBox="1"/>
+          <p:nvPr/>
+        </p:nvSpPr>
+        <p:spPr>
+          <a:xfrm>
+            <a:off x="8885350" y="4880872"/>
+            <a:ext cx="1415772" cy="276999"/>
+          </a:xfrm>
+          <a:prstGeom prst="rect">
+            <a:avLst/>
+          </a:prstGeom>
+          <a:noFill/>
+        </p:spPr>
+        <p:txBody>
+          <a:bodyPr wrap="none" rtlCol="0">
+            <a:spAutoFit/>
+          </a:bodyPr>
+          <a:lstStyle/>
+          <a:p>
+            <a:r>
+              <a:rPr lang="zh-CN" altLang="en-US" sz="1200" dirty="0" smtClean="0"/>
+              <a:t>开闭操作去除孔洞</a:t>
+            </a:r>
+            <a:endParaRPr lang="zh-CN" altLang="en-US" sz="1200" dirty="0"/>
+          </a:p>
+        </p:txBody>
+      </p:sp>
+      <p:pic>
+        <p:nvPicPr>
+          <p:cNvPr id="89" name="图片 88"/>
+          <p:cNvPicPr>
+            <a:picLocks noChangeAspect="1"/>
+          </p:cNvPicPr>
+          <p:nvPr/>
+        </p:nvPicPr>
+        <p:blipFill>
+          <a:blip r:embed="rId13">
+            <a:extLst>
+              <a:ext uri="{28A0092B-C50C-407E-A947-70E740481C1C}">
+                <a14:useLocalDpi xmlns:a14="http://schemas.microsoft.com/office/drawing/2010/main" val="0"/>
+              </a:ext>
+            </a:extLst>
+          </a:blip>
+          <a:stretch>
+            <a:fillRect/>
+          </a:stretch>
+        </p:blipFill>
+        <p:spPr>
+          <a:xfrm>
+            <a:off x="5820608" y="3715036"/>
+            <a:ext cx="1540927" cy="1185328"/>
+          </a:xfrm>
+          <a:prstGeom prst="rect">
+            <a:avLst/>
+          </a:prstGeom>
+        </p:spPr>
+      </p:pic>
+      <p:cxnSp>
+        <p:nvCxnSpPr>
+          <p:cNvPr id="91" name="直接箭头连接符 90"/>
+          <p:cNvCxnSpPr>
+            <a:endCxn id="89" idx="1"/>
+          </p:cNvCxnSpPr>
+          <p:nvPr/>
+        </p:nvCxnSpPr>
+        <p:spPr>
+          <a:xfrm flipV="1">
+            <a:off x="5020293" y="4307700"/>
+            <a:ext cx="800315" cy="516030"/>
+          </a:xfrm>
+          <a:prstGeom prst="straightConnector1">
+            <a:avLst/>
+          </a:prstGeom>
+          <a:ln>
+            <a:tailEnd type="triangle"/>
+          </a:ln>
+        </p:spPr>
+        <p:style>
+          <a:lnRef idx="1">
+            <a:schemeClr val="accent1"/>
+          </a:lnRef>
+          <a:fillRef idx="0">
+            <a:schemeClr val="accent1"/>
+          </a:fillRef>
+          <a:effectRef idx="0">
+            <a:schemeClr val="accent1"/>
+          </a:effectRef>
+          <a:fontRef idx="minor">
+            <a:schemeClr val="tx1"/>
+          </a:fontRef>
+        </p:style>
+      </p:cxnSp>
+      <p:sp>
+        <p:nvSpPr>
+          <p:cNvPr id="92" name="文本框 91"/>
+          <p:cNvSpPr txBox="1"/>
+          <p:nvPr/>
+        </p:nvSpPr>
+        <p:spPr>
+          <a:xfrm>
+            <a:off x="4646042" y="4379055"/>
+            <a:ext cx="1620957" cy="307777"/>
+          </a:xfrm>
+          <a:prstGeom prst="rect">
+            <a:avLst/>
+          </a:prstGeom>
+          <a:noFill/>
+        </p:spPr>
+        <p:txBody>
+          <a:bodyPr wrap="none" rtlCol="0">
+            <a:spAutoFit/>
+          </a:bodyPr>
+          <a:lstStyle/>
+          <a:p>
+            <a:r>
+              <a:rPr lang="zh-CN" altLang="en-US" sz="1400" dirty="0" smtClean="0"/>
+              <a:t>闭开操作去除瓜蒂</a:t>
+            </a:r>
+            <a:endParaRPr lang="zh-CN" altLang="en-US" sz="1400" dirty="0"/>
+          </a:p>
+        </p:txBody>
+      </p:sp>
+      <p:pic>
+        <p:nvPicPr>
+          <p:cNvPr id="93" name="图片 92"/>
+          <p:cNvPicPr>
+            <a:picLocks noChangeAspect="1"/>
+          </p:cNvPicPr>
+          <p:nvPr/>
+        </p:nvPicPr>
+        <p:blipFill>
+          <a:blip r:embed="rId14">
+            <a:extLst>
+              <a:ext uri="{28A0092B-C50C-407E-A947-70E740481C1C}">
+                <a14:useLocalDpi xmlns:a14="http://schemas.microsoft.com/office/drawing/2010/main" val="0"/>
+              </a:ext>
+            </a:extLst>
+          </a:blip>
+          <a:stretch>
+            <a:fillRect/>
+          </a:stretch>
+        </p:blipFill>
+        <p:spPr>
+          <a:xfrm>
+            <a:off x="450830" y="2279086"/>
+            <a:ext cx="1610565" cy="1238896"/>
+          </a:xfrm>
+          <a:prstGeom prst="rect">
+            <a:avLst/>
+          </a:prstGeom>
+        </p:spPr>
+      </p:pic>
+      <p:sp>
+        <p:nvSpPr>
+          <p:cNvPr id="94" name="文本框 93"/>
+          <p:cNvSpPr txBox="1"/>
+          <p:nvPr/>
+        </p:nvSpPr>
+        <p:spPr>
+          <a:xfrm>
+            <a:off x="797797" y="3433908"/>
+            <a:ext cx="1620957" cy="307777"/>
+          </a:xfrm>
+          <a:prstGeom prst="rect">
+            <a:avLst/>
+          </a:prstGeom>
+          <a:noFill/>
+        </p:spPr>
+        <p:txBody>
+          <a:bodyPr wrap="none" rtlCol="0">
+            <a:spAutoFit/>
+          </a:bodyPr>
+          <a:lstStyle/>
+          <a:p>
+            <a:r>
+              <a:rPr lang="zh-CN" altLang="en-US" sz="1400" dirty="0" smtClean="0"/>
+              <a:t>闭开操作去除瓜蒂</a:t>
+            </a:r>
+            <a:endParaRPr lang="zh-CN" altLang="en-US" sz="1400" dirty="0"/>
+          </a:p>
+        </p:txBody>
+      </p:sp>
+      <p:cxnSp>
+        <p:nvCxnSpPr>
+          <p:cNvPr id="96" name="直接箭头连接符 95"/>
+          <p:cNvCxnSpPr/>
+          <p:nvPr/>
+        </p:nvCxnSpPr>
+        <p:spPr>
+          <a:xfrm flipH="1" flipV="1">
+            <a:off x="1345223" y="3336119"/>
+            <a:ext cx="589085" cy="611032"/>
+          </a:xfrm>
+          <a:prstGeom prst="straightConnector1">
+            <a:avLst/>
+          </a:prstGeom>
+          <a:ln>
+            <a:tailEnd type="triangle"/>
+          </a:ln>
+        </p:spPr>
+        <p:style>
+          <a:lnRef idx="1">
+            <a:schemeClr val="accent1"/>
+          </a:lnRef>
+          <a:fillRef idx="0">
+            <a:schemeClr val="accent1"/>
+          </a:fillRef>
+          <a:effectRef idx="0">
+            <a:schemeClr val="accent1"/>
+          </a:effectRef>
+          <a:fontRef idx="minor">
+            <a:schemeClr val="tx1"/>
+          </a:fontRef>
+        </p:style>
+      </p:cxnSp>
+      <p:sp>
+        <p:nvSpPr>
+          <p:cNvPr id="97" name="矩形 96"/>
+          <p:cNvSpPr/>
+          <p:nvPr/>
+        </p:nvSpPr>
+        <p:spPr>
+          <a:xfrm>
+            <a:off x="281354" y="2539293"/>
+            <a:ext cx="1450663" cy="1175743"/>
+          </a:xfrm>
+          <a:prstGeom prst="rect">
+            <a:avLst/>
+          </a:prstGeom>
+          <a:noFill/>
+        </p:spPr>
+        <p:style>
+          <a:lnRef idx="2">
+            <a:schemeClr val="accent1">
+              <a:shade val="50000"/>
+            </a:schemeClr>
+          </a:lnRef>
+          <a:fillRef idx="1">
+            <a:schemeClr val="accent1"/>
+          </a:fillRef>
+          <a:effectRef idx="0">
+            <a:schemeClr val="accent1"/>
+          </a:effectRef>
+          <a:fontRef idx="minor">
+            <a:schemeClr val="lt1"/>
+          </a:fontRef>
+        </p:style>
+        <p:txBody>
+          <a:bodyPr rtlCol="0" anchor="ctr"/>
+          <a:lstStyle/>
+          <a:p>
+            <a:pPr algn="ctr"/>
+            <a:endParaRPr lang="zh-CN" altLang="en-US"/>
+          </a:p>
+        </p:txBody>
+      </p:sp>
+      <p:sp>
+        <p:nvSpPr>
+          <p:cNvPr id="98" name="矩形 97"/>
+          <p:cNvSpPr/>
+          <p:nvPr/>
+        </p:nvSpPr>
+        <p:spPr>
+          <a:xfrm>
+            <a:off x="5954791" y="3345213"/>
+            <a:ext cx="1450663" cy="1175743"/>
+          </a:xfrm>
+          <a:prstGeom prst="rect">
+            <a:avLst/>
+          </a:prstGeom>
+          <a:noFill/>
+        </p:spPr>
+        <p:style>
+          <a:lnRef idx="2">
+            <a:schemeClr val="accent1">
+              <a:shade val="50000"/>
+            </a:schemeClr>
+          </a:lnRef>
+          <a:fillRef idx="1">
+            <a:schemeClr val="accent1"/>
+          </a:fillRef>
+          <a:effectRef idx="0">
+            <a:schemeClr val="accent1"/>
+          </a:effectRef>
+          <a:fontRef idx="minor">
+            <a:schemeClr val="lt1"/>
+          </a:fontRef>
+        </p:style>
+        <p:txBody>
+          <a:bodyPr rtlCol="0" anchor="ctr"/>
+          <a:lstStyle/>
+          <a:p>
+            <a:pPr algn="ctr"/>
+            <a:endParaRPr lang="zh-CN" altLang="en-US"/>
+          </a:p>
+        </p:txBody>
+      </p:sp>
+      <p:sp>
+        <p:nvSpPr>
+          <p:cNvPr id="99" name="矩形 98"/>
+          <p:cNvSpPr/>
+          <p:nvPr/>
+        </p:nvSpPr>
+        <p:spPr>
+          <a:xfrm>
+            <a:off x="8850459" y="5304144"/>
+            <a:ext cx="1450663" cy="1175743"/>
+          </a:xfrm>
+          <a:prstGeom prst="rect">
+            <a:avLst/>
+          </a:prstGeom>
+          <a:noFill/>
+        </p:spPr>
+        <p:style>
+          <a:lnRef idx="2">
+            <a:schemeClr val="accent1">
+              <a:shade val="50000"/>
+            </a:schemeClr>
+          </a:lnRef>
+          <a:fillRef idx="1">
+            <a:schemeClr val="accent1"/>
+          </a:fillRef>
+          <a:effectRef idx="0">
+            <a:schemeClr val="accent1"/>
+          </a:effectRef>
+          <a:fontRef idx="minor">
+            <a:schemeClr val="lt1"/>
+          </a:fontRef>
+        </p:style>
+        <p:txBody>
+          <a:bodyPr rtlCol="0" anchor="ctr"/>
+          <a:lstStyle/>
+          <a:p>
+            <a:pPr algn="ctr"/>
+            <a:endParaRPr lang="zh-CN" altLang="en-US"/>
+          </a:p>
+        </p:txBody>
+      </p:sp>
+    </p:spTree>
+    <p:extLst>
+      <p:ext uri="{BB962C8B-B14F-4D97-AF65-F5344CB8AC3E}">
+        <p14:creationId xmlns:p14="http://schemas.microsoft.com/office/powerpoint/2010/main" val="875051561"/>
       </p:ext>
     </p:extLst>
   </p:cSld>

--- a/gpjk.pptx
+++ b/gpjk.pptx
@@ -7,6 +7,8 @@
   <p:sldIdLst>
     <p:sldId id="256" r:id="rId2"/>
     <p:sldId id="257" r:id="rId3"/>
+    <p:sldId id="259" r:id="rId4"/>
+    <p:sldId id="258" r:id="rId5"/>
   </p:sldIdLst>
   <p:sldSz cx="12192000" cy="6858000"/>
   <p:notesSz cx="6858000" cy="9144000"/>
@@ -244,7 +246,7 @@
           <a:p>
             <a:fld id="{99E0FF5A-20D7-4BB8-82D3-883A909DEBB0}" type="datetimeFigureOut">
               <a:rPr lang="zh-CN" altLang="en-US" smtClean="0"/>
-              <a:t>2018/11/2</a:t>
+              <a:t>2018/11/4</a:t>
             </a:fld>
             <a:endParaRPr lang="zh-CN" altLang="en-US"/>
           </a:p>
@@ -414,7 +416,7 @@
           <a:p>
             <a:fld id="{99E0FF5A-20D7-4BB8-82D3-883A909DEBB0}" type="datetimeFigureOut">
               <a:rPr lang="zh-CN" altLang="en-US" smtClean="0"/>
-              <a:t>2018/11/2</a:t>
+              <a:t>2018/11/4</a:t>
             </a:fld>
             <a:endParaRPr lang="zh-CN" altLang="en-US"/>
           </a:p>
@@ -594,7 +596,7 @@
           <a:p>
             <a:fld id="{99E0FF5A-20D7-4BB8-82D3-883A909DEBB0}" type="datetimeFigureOut">
               <a:rPr lang="zh-CN" altLang="en-US" smtClean="0"/>
-              <a:t>2018/11/2</a:t>
+              <a:t>2018/11/4</a:t>
             </a:fld>
             <a:endParaRPr lang="zh-CN" altLang="en-US"/>
           </a:p>
@@ -764,7 +766,7 @@
           <a:p>
             <a:fld id="{99E0FF5A-20D7-4BB8-82D3-883A909DEBB0}" type="datetimeFigureOut">
               <a:rPr lang="zh-CN" altLang="en-US" smtClean="0"/>
-              <a:t>2018/11/2</a:t>
+              <a:t>2018/11/4</a:t>
             </a:fld>
             <a:endParaRPr lang="zh-CN" altLang="en-US"/>
           </a:p>
@@ -1010,7 +1012,7 @@
           <a:p>
             <a:fld id="{99E0FF5A-20D7-4BB8-82D3-883A909DEBB0}" type="datetimeFigureOut">
               <a:rPr lang="zh-CN" altLang="en-US" smtClean="0"/>
-              <a:t>2018/11/2</a:t>
+              <a:t>2018/11/4</a:t>
             </a:fld>
             <a:endParaRPr lang="zh-CN" altLang="en-US"/>
           </a:p>
@@ -1242,7 +1244,7 @@
           <a:p>
             <a:fld id="{99E0FF5A-20D7-4BB8-82D3-883A909DEBB0}" type="datetimeFigureOut">
               <a:rPr lang="zh-CN" altLang="en-US" smtClean="0"/>
-              <a:t>2018/11/2</a:t>
+              <a:t>2018/11/4</a:t>
             </a:fld>
             <a:endParaRPr lang="zh-CN" altLang="en-US"/>
           </a:p>
@@ -1609,7 +1611,7 @@
           <a:p>
             <a:fld id="{99E0FF5A-20D7-4BB8-82D3-883A909DEBB0}" type="datetimeFigureOut">
               <a:rPr lang="zh-CN" altLang="en-US" smtClean="0"/>
-              <a:t>2018/11/2</a:t>
+              <a:t>2018/11/4</a:t>
             </a:fld>
             <a:endParaRPr lang="zh-CN" altLang="en-US"/>
           </a:p>
@@ -1727,7 +1729,7 @@
           <a:p>
             <a:fld id="{99E0FF5A-20D7-4BB8-82D3-883A909DEBB0}" type="datetimeFigureOut">
               <a:rPr lang="zh-CN" altLang="en-US" smtClean="0"/>
-              <a:t>2018/11/2</a:t>
+              <a:t>2018/11/4</a:t>
             </a:fld>
             <a:endParaRPr lang="zh-CN" altLang="en-US"/>
           </a:p>
@@ -1822,7 +1824,7 @@
           <a:p>
             <a:fld id="{99E0FF5A-20D7-4BB8-82D3-883A909DEBB0}" type="datetimeFigureOut">
               <a:rPr lang="zh-CN" altLang="en-US" smtClean="0"/>
-              <a:t>2018/11/2</a:t>
+              <a:t>2018/11/4</a:t>
             </a:fld>
             <a:endParaRPr lang="zh-CN" altLang="en-US"/>
           </a:p>
@@ -2099,7 +2101,7 @@
           <a:p>
             <a:fld id="{99E0FF5A-20D7-4BB8-82D3-883A909DEBB0}" type="datetimeFigureOut">
               <a:rPr lang="zh-CN" altLang="en-US" smtClean="0"/>
-              <a:t>2018/11/2</a:t>
+              <a:t>2018/11/4</a:t>
             </a:fld>
             <a:endParaRPr lang="zh-CN" altLang="en-US"/>
           </a:p>
@@ -2352,7 +2354,7 @@
           <a:p>
             <a:fld id="{99E0FF5A-20D7-4BB8-82D3-883A909DEBB0}" type="datetimeFigureOut">
               <a:rPr lang="zh-CN" altLang="en-US" smtClean="0"/>
-              <a:t>2018/11/2</a:t>
+              <a:t>2018/11/4</a:t>
             </a:fld>
             <a:endParaRPr lang="zh-CN" altLang="en-US"/>
           </a:p>
@@ -2565,7 +2567,7 @@
           <a:p>
             <a:fld id="{99E0FF5A-20D7-4BB8-82D3-883A909DEBB0}" type="datetimeFigureOut">
               <a:rPr lang="zh-CN" altLang="en-US" smtClean="0"/>
-              <a:t>2018/11/2</a:t>
+              <a:t>2018/11/4</a:t>
             </a:fld>
             <a:endParaRPr lang="zh-CN" altLang="en-US"/>
           </a:p>
@@ -5866,10 +5868,3343 @@
           </a:p>
         </p:txBody>
       </p:sp>
+      <p:sp>
+        <p:nvSpPr>
+          <p:cNvPr id="2" name="文本框 1"/>
+          <p:cNvSpPr txBox="1"/>
+          <p:nvPr/>
+        </p:nvSpPr>
+        <p:spPr>
+          <a:xfrm>
+            <a:off x="5204771" y="317091"/>
+            <a:ext cx="306494" cy="369332"/>
+          </a:xfrm>
+          <a:prstGeom prst="rect">
+            <a:avLst/>
+          </a:prstGeom>
+          <a:noFill/>
+        </p:spPr>
+        <p:txBody>
+          <a:bodyPr wrap="none" rtlCol="0">
+            <a:spAutoFit/>
+          </a:bodyPr>
+          <a:lstStyle/>
+          <a:p>
+            <a:r>
+              <a:rPr lang="en-US" altLang="zh-CN" dirty="0" smtClean="0"/>
+              <a:t>1</a:t>
+            </a:r>
+            <a:endParaRPr lang="zh-CN" altLang="en-US" dirty="0"/>
+          </a:p>
+        </p:txBody>
+      </p:sp>
+      <p:sp>
+        <p:nvSpPr>
+          <p:cNvPr id="60" name="文本框 59"/>
+          <p:cNvSpPr txBox="1"/>
+          <p:nvPr/>
+        </p:nvSpPr>
+        <p:spPr>
+          <a:xfrm>
+            <a:off x="4331637" y="1278569"/>
+            <a:ext cx="306494" cy="369332"/>
+          </a:xfrm>
+          <a:prstGeom prst="rect">
+            <a:avLst/>
+          </a:prstGeom>
+          <a:noFill/>
+        </p:spPr>
+        <p:txBody>
+          <a:bodyPr wrap="none" rtlCol="0">
+            <a:spAutoFit/>
+          </a:bodyPr>
+          <a:lstStyle/>
+          <a:p>
+            <a:r>
+              <a:rPr lang="en-US" altLang="zh-CN" dirty="0"/>
+              <a:t>2</a:t>
+            </a:r>
+            <a:endParaRPr lang="zh-CN" altLang="en-US" dirty="0"/>
+          </a:p>
+        </p:txBody>
+      </p:sp>
+      <p:sp>
+        <p:nvSpPr>
+          <p:cNvPr id="65" name="文本框 64"/>
+          <p:cNvSpPr txBox="1"/>
+          <p:nvPr/>
+        </p:nvSpPr>
+        <p:spPr>
+          <a:xfrm>
+            <a:off x="3817558" y="2200738"/>
+            <a:ext cx="306494" cy="369332"/>
+          </a:xfrm>
+          <a:prstGeom prst="rect">
+            <a:avLst/>
+          </a:prstGeom>
+          <a:noFill/>
+        </p:spPr>
+        <p:txBody>
+          <a:bodyPr wrap="none" rtlCol="0">
+            <a:spAutoFit/>
+          </a:bodyPr>
+          <a:lstStyle/>
+          <a:p>
+            <a:r>
+              <a:rPr lang="en-US" altLang="zh-CN" dirty="0" smtClean="0"/>
+              <a:t>3</a:t>
+            </a:r>
+            <a:endParaRPr lang="zh-CN" altLang="en-US" dirty="0"/>
+          </a:p>
+        </p:txBody>
+      </p:sp>
+      <p:sp>
+        <p:nvSpPr>
+          <p:cNvPr id="66" name="文本框 65"/>
+          <p:cNvSpPr txBox="1"/>
+          <p:nvPr/>
+        </p:nvSpPr>
+        <p:spPr>
+          <a:xfrm>
+            <a:off x="5998695" y="2466415"/>
+            <a:ext cx="306494" cy="369332"/>
+          </a:xfrm>
+          <a:prstGeom prst="rect">
+            <a:avLst/>
+          </a:prstGeom>
+          <a:noFill/>
+        </p:spPr>
+        <p:txBody>
+          <a:bodyPr wrap="none" rtlCol="0">
+            <a:spAutoFit/>
+          </a:bodyPr>
+          <a:lstStyle/>
+          <a:p>
+            <a:r>
+              <a:rPr lang="en-US" altLang="zh-CN" dirty="0"/>
+              <a:t>4</a:t>
+            </a:r>
+            <a:endParaRPr lang="zh-CN" altLang="en-US" dirty="0"/>
+          </a:p>
+        </p:txBody>
+      </p:sp>
+      <p:sp>
+        <p:nvSpPr>
+          <p:cNvPr id="68" name="文本框 67"/>
+          <p:cNvSpPr txBox="1"/>
+          <p:nvPr/>
+        </p:nvSpPr>
+        <p:spPr>
+          <a:xfrm>
+            <a:off x="2327261" y="2615975"/>
+            <a:ext cx="306494" cy="369332"/>
+          </a:xfrm>
+          <a:prstGeom prst="rect">
+            <a:avLst/>
+          </a:prstGeom>
+          <a:noFill/>
+        </p:spPr>
+        <p:txBody>
+          <a:bodyPr wrap="none" rtlCol="0">
+            <a:spAutoFit/>
+          </a:bodyPr>
+          <a:lstStyle/>
+          <a:p>
+            <a:r>
+              <a:rPr lang="en-US" altLang="zh-CN" dirty="0"/>
+              <a:t>5</a:t>
+            </a:r>
+            <a:endParaRPr lang="zh-CN" altLang="en-US" dirty="0"/>
+          </a:p>
+        </p:txBody>
+      </p:sp>
+      <p:sp>
+        <p:nvSpPr>
+          <p:cNvPr id="69" name="文本框 68"/>
+          <p:cNvSpPr txBox="1"/>
+          <p:nvPr/>
+        </p:nvSpPr>
+        <p:spPr>
+          <a:xfrm>
+            <a:off x="7577830" y="1567623"/>
+            <a:ext cx="306494" cy="369332"/>
+          </a:xfrm>
+          <a:prstGeom prst="rect">
+            <a:avLst/>
+          </a:prstGeom>
+          <a:noFill/>
+        </p:spPr>
+        <p:txBody>
+          <a:bodyPr wrap="none" rtlCol="0">
+            <a:spAutoFit/>
+          </a:bodyPr>
+          <a:lstStyle/>
+          <a:p>
+            <a:r>
+              <a:rPr lang="en-US" altLang="zh-CN" dirty="0"/>
+              <a:t>6</a:t>
+            </a:r>
+            <a:endParaRPr lang="zh-CN" altLang="en-US" dirty="0"/>
+          </a:p>
+        </p:txBody>
+      </p:sp>
+      <p:sp>
+        <p:nvSpPr>
+          <p:cNvPr id="72" name="文本框 71"/>
+          <p:cNvSpPr txBox="1"/>
+          <p:nvPr/>
+        </p:nvSpPr>
+        <p:spPr>
+          <a:xfrm>
+            <a:off x="10252472" y="556937"/>
+            <a:ext cx="306494" cy="369332"/>
+          </a:xfrm>
+          <a:prstGeom prst="rect">
+            <a:avLst/>
+          </a:prstGeom>
+          <a:noFill/>
+        </p:spPr>
+        <p:txBody>
+          <a:bodyPr wrap="none" rtlCol="0">
+            <a:spAutoFit/>
+          </a:bodyPr>
+          <a:lstStyle/>
+          <a:p>
+            <a:r>
+              <a:rPr lang="en-US" altLang="zh-CN" dirty="0"/>
+              <a:t>7</a:t>
+            </a:r>
+            <a:endParaRPr lang="zh-CN" altLang="en-US" dirty="0"/>
+          </a:p>
+        </p:txBody>
+      </p:sp>
+      <p:sp>
+        <p:nvSpPr>
+          <p:cNvPr id="73" name="文本框 72"/>
+          <p:cNvSpPr txBox="1"/>
+          <p:nvPr/>
+        </p:nvSpPr>
+        <p:spPr>
+          <a:xfrm>
+            <a:off x="9034315" y="1877916"/>
+            <a:ext cx="306494" cy="369332"/>
+          </a:xfrm>
+          <a:prstGeom prst="rect">
+            <a:avLst/>
+          </a:prstGeom>
+          <a:noFill/>
+        </p:spPr>
+        <p:txBody>
+          <a:bodyPr wrap="none" rtlCol="0">
+            <a:spAutoFit/>
+          </a:bodyPr>
+          <a:lstStyle/>
+          <a:p>
+            <a:r>
+              <a:rPr lang="en-US" altLang="zh-CN" dirty="0"/>
+              <a:t>8</a:t>
+            </a:r>
+            <a:endParaRPr lang="zh-CN" altLang="en-US" dirty="0"/>
+          </a:p>
+        </p:txBody>
+      </p:sp>
+      <p:sp>
+        <p:nvSpPr>
+          <p:cNvPr id="74" name="文本框 73"/>
+          <p:cNvSpPr txBox="1"/>
+          <p:nvPr/>
+        </p:nvSpPr>
+        <p:spPr>
+          <a:xfrm>
+            <a:off x="10995714" y="3916373"/>
+            <a:ext cx="306494" cy="369332"/>
+          </a:xfrm>
+          <a:prstGeom prst="rect">
+            <a:avLst/>
+          </a:prstGeom>
+          <a:noFill/>
+        </p:spPr>
+        <p:txBody>
+          <a:bodyPr wrap="none" rtlCol="0">
+            <a:spAutoFit/>
+          </a:bodyPr>
+          <a:lstStyle/>
+          <a:p>
+            <a:r>
+              <a:rPr lang="en-US" altLang="zh-CN" dirty="0"/>
+              <a:t>9</a:t>
+            </a:r>
+            <a:endParaRPr lang="zh-CN" altLang="en-US" dirty="0"/>
+          </a:p>
+        </p:txBody>
+      </p:sp>
+      <p:sp>
+        <p:nvSpPr>
+          <p:cNvPr id="76" name="文本框 75"/>
+          <p:cNvSpPr txBox="1"/>
+          <p:nvPr/>
+        </p:nvSpPr>
+        <p:spPr>
+          <a:xfrm>
+            <a:off x="2587329" y="5188361"/>
+            <a:ext cx="428322" cy="369332"/>
+          </a:xfrm>
+          <a:prstGeom prst="rect">
+            <a:avLst/>
+          </a:prstGeom>
+          <a:noFill/>
+        </p:spPr>
+        <p:txBody>
+          <a:bodyPr wrap="none" rtlCol="0">
+            <a:spAutoFit/>
+          </a:bodyPr>
+          <a:lstStyle/>
+          <a:p>
+            <a:r>
+              <a:rPr lang="en-US" altLang="zh-CN" dirty="0" smtClean="0"/>
+              <a:t>10</a:t>
+            </a:r>
+            <a:endParaRPr lang="zh-CN" altLang="en-US" dirty="0"/>
+          </a:p>
+        </p:txBody>
+      </p:sp>
+      <p:sp>
+        <p:nvSpPr>
+          <p:cNvPr id="77" name="文本框 76"/>
+          <p:cNvSpPr txBox="1"/>
+          <p:nvPr/>
+        </p:nvSpPr>
+        <p:spPr>
+          <a:xfrm>
+            <a:off x="4412756" y="4336290"/>
+            <a:ext cx="428322" cy="369332"/>
+          </a:xfrm>
+          <a:prstGeom prst="rect">
+            <a:avLst/>
+          </a:prstGeom>
+          <a:noFill/>
+        </p:spPr>
+        <p:txBody>
+          <a:bodyPr wrap="none" rtlCol="0">
+            <a:spAutoFit/>
+          </a:bodyPr>
+          <a:lstStyle/>
+          <a:p>
+            <a:r>
+              <a:rPr lang="en-US" altLang="zh-CN" dirty="0" smtClean="0"/>
+              <a:t>11</a:t>
+            </a:r>
+            <a:endParaRPr lang="zh-CN" altLang="en-US" dirty="0"/>
+          </a:p>
+        </p:txBody>
+      </p:sp>
+      <p:sp>
+        <p:nvSpPr>
+          <p:cNvPr id="79" name="文本框 78"/>
+          <p:cNvSpPr txBox="1"/>
+          <p:nvPr/>
+        </p:nvSpPr>
+        <p:spPr>
+          <a:xfrm>
+            <a:off x="511470" y="3397625"/>
+            <a:ext cx="428322" cy="369332"/>
+          </a:xfrm>
+          <a:prstGeom prst="rect">
+            <a:avLst/>
+          </a:prstGeom>
+          <a:noFill/>
+        </p:spPr>
+        <p:txBody>
+          <a:bodyPr wrap="none" rtlCol="0">
+            <a:spAutoFit/>
+          </a:bodyPr>
+          <a:lstStyle/>
+          <a:p>
+            <a:r>
+              <a:rPr lang="en-US" altLang="zh-CN" dirty="0" smtClean="0"/>
+              <a:t>12</a:t>
+            </a:r>
+            <a:endParaRPr lang="zh-CN" altLang="en-US" dirty="0"/>
+          </a:p>
+        </p:txBody>
+      </p:sp>
+      <p:sp>
+        <p:nvSpPr>
+          <p:cNvPr id="86" name="文本框 85"/>
+          <p:cNvSpPr txBox="1"/>
+          <p:nvPr/>
+        </p:nvSpPr>
+        <p:spPr>
+          <a:xfrm>
+            <a:off x="8671189" y="4823730"/>
+            <a:ext cx="428322" cy="369332"/>
+          </a:xfrm>
+          <a:prstGeom prst="rect">
+            <a:avLst/>
+          </a:prstGeom>
+          <a:noFill/>
+        </p:spPr>
+        <p:txBody>
+          <a:bodyPr wrap="none" rtlCol="0">
+            <a:spAutoFit/>
+          </a:bodyPr>
+          <a:lstStyle/>
+          <a:p>
+            <a:r>
+              <a:rPr lang="en-US" altLang="zh-CN" dirty="0" smtClean="0"/>
+              <a:t>13</a:t>
+            </a:r>
+            <a:endParaRPr lang="zh-CN" altLang="en-US" dirty="0"/>
+          </a:p>
+        </p:txBody>
+      </p:sp>
     </p:spTree>
     <p:extLst>
       <p:ext uri="{BB962C8B-B14F-4D97-AF65-F5344CB8AC3E}">
         <p14:creationId xmlns:p14="http://schemas.microsoft.com/office/powerpoint/2010/main" val="875051561"/>
+      </p:ext>
+    </p:extLst>
+  </p:cSld>
+  <p:clrMapOvr>
+    <a:masterClrMapping/>
+  </p:clrMapOvr>
+</p:sld>
+</file>
+
+<file path=ppt/slides/slide3.xml><?xml version="1.0" encoding="utf-8"?>
+<p:sld xmlns:a="http://schemas.openxmlformats.org/drawingml/2006/main" xmlns:r="http://schemas.openxmlformats.org/officeDocument/2006/relationships" xmlns:p="http://schemas.openxmlformats.org/presentationml/2006/main">
+  <p:cSld>
+    <p:spTree>
+      <p:nvGrpSpPr>
+        <p:cNvPr id="1" name=""/>
+        <p:cNvGrpSpPr/>
+        <p:nvPr/>
+      </p:nvGrpSpPr>
+      <p:grpSpPr>
+        <a:xfrm>
+          <a:off x="0" y="0"/>
+          <a:ext cx="0" cy="0"/>
+          <a:chOff x="0" y="0"/>
+          <a:chExt cx="0" cy="0"/>
+        </a:xfrm>
+      </p:grpSpPr>
+      <p:pic>
+        <p:nvPicPr>
+          <p:cNvPr id="4" name="图片 3"/>
+          <p:cNvPicPr>
+            <a:picLocks noChangeAspect="1"/>
+          </p:cNvPicPr>
+          <p:nvPr/>
+        </p:nvPicPr>
+        <p:blipFill>
+          <a:blip r:embed="rId2" cstate="print">
+            <a:extLst>
+              <a:ext uri="{28A0092B-C50C-407E-A947-70E740481C1C}">
+                <a14:useLocalDpi xmlns:a14="http://schemas.microsoft.com/office/drawing/2010/main" val="0"/>
+              </a:ext>
+            </a:extLst>
+          </a:blip>
+          <a:stretch>
+            <a:fillRect/>
+          </a:stretch>
+        </p:blipFill>
+        <p:spPr>
+          <a:xfrm>
+            <a:off x="3915143" y="189768"/>
+            <a:ext cx="1228358" cy="944891"/>
+          </a:xfrm>
+          <a:prstGeom prst="rect">
+            <a:avLst/>
+          </a:prstGeom>
+        </p:spPr>
+      </p:pic>
+      <p:pic>
+        <p:nvPicPr>
+          <p:cNvPr id="5" name="图片 4"/>
+          <p:cNvPicPr>
+            <a:picLocks noChangeAspect="1"/>
+          </p:cNvPicPr>
+          <p:nvPr/>
+        </p:nvPicPr>
+        <p:blipFill>
+          <a:blip r:embed="rId3" cstate="print">
+            <a:extLst>
+              <a:ext uri="{28A0092B-C50C-407E-A947-70E740481C1C}">
+                <a14:useLocalDpi xmlns:a14="http://schemas.microsoft.com/office/drawing/2010/main" val="0"/>
+              </a:ext>
+            </a:extLst>
+          </a:blip>
+          <a:stretch>
+            <a:fillRect/>
+          </a:stretch>
+        </p:blipFill>
+        <p:spPr>
+          <a:xfrm>
+            <a:off x="6148389" y="176240"/>
+            <a:ext cx="1263528" cy="971945"/>
+          </a:xfrm>
+          <a:prstGeom prst="rect">
+            <a:avLst/>
+          </a:prstGeom>
+        </p:spPr>
+      </p:pic>
+      <p:sp>
+        <p:nvSpPr>
+          <p:cNvPr id="6" name="文本框 5"/>
+          <p:cNvSpPr txBox="1"/>
+          <p:nvPr/>
+        </p:nvSpPr>
+        <p:spPr>
+          <a:xfrm>
+            <a:off x="3735423" y="231324"/>
+            <a:ext cx="723275" cy="307777"/>
+          </a:xfrm>
+          <a:prstGeom prst="rect">
+            <a:avLst/>
+          </a:prstGeom>
+          <a:noFill/>
+        </p:spPr>
+        <p:txBody>
+          <a:bodyPr wrap="none" rtlCol="0">
+            <a:spAutoFit/>
+          </a:bodyPr>
+          <a:lstStyle/>
+          <a:p>
+            <a:r>
+              <a:rPr lang="zh-CN" altLang="en-US" sz="1400" dirty="0" smtClean="0"/>
+              <a:t>原图像</a:t>
+            </a:r>
+            <a:endParaRPr lang="zh-CN" altLang="en-US" sz="1400" dirty="0"/>
+          </a:p>
+        </p:txBody>
+      </p:sp>
+      <p:cxnSp>
+        <p:nvCxnSpPr>
+          <p:cNvPr id="8" name="直接箭头连接符 7"/>
+          <p:cNvCxnSpPr>
+            <a:stCxn id="4" idx="3"/>
+            <a:endCxn id="5" idx="1"/>
+          </p:cNvCxnSpPr>
+          <p:nvPr/>
+        </p:nvCxnSpPr>
+        <p:spPr>
+          <a:xfrm flipV="1">
+            <a:off x="5143501" y="662213"/>
+            <a:ext cx="1004888" cy="1"/>
+          </a:xfrm>
+          <a:prstGeom prst="straightConnector1">
+            <a:avLst/>
+          </a:prstGeom>
+          <a:ln>
+            <a:tailEnd type="triangle"/>
+          </a:ln>
+        </p:spPr>
+        <p:style>
+          <a:lnRef idx="1">
+            <a:schemeClr val="accent1"/>
+          </a:lnRef>
+          <a:fillRef idx="0">
+            <a:schemeClr val="accent1"/>
+          </a:fillRef>
+          <a:effectRef idx="0">
+            <a:schemeClr val="accent1"/>
+          </a:effectRef>
+          <a:fontRef idx="minor">
+            <a:schemeClr val="tx1"/>
+          </a:fontRef>
+        </p:style>
+      </p:cxnSp>
+      <p:sp>
+        <p:nvSpPr>
+          <p:cNvPr id="10" name="文本框 9"/>
+          <p:cNvSpPr txBox="1"/>
+          <p:nvPr/>
+        </p:nvSpPr>
+        <p:spPr>
+          <a:xfrm>
+            <a:off x="5322779" y="385213"/>
+            <a:ext cx="646331" cy="276999"/>
+          </a:xfrm>
+          <a:prstGeom prst="rect">
+            <a:avLst/>
+          </a:prstGeom>
+          <a:noFill/>
+        </p:spPr>
+        <p:txBody>
+          <a:bodyPr wrap="none" rtlCol="0">
+            <a:spAutoFit/>
+          </a:bodyPr>
+          <a:lstStyle/>
+          <a:p>
+            <a:r>
+              <a:rPr lang="zh-CN" altLang="en-US" sz="1200" dirty="0" smtClean="0"/>
+              <a:t>二值化</a:t>
+            </a:r>
+            <a:endParaRPr lang="zh-CN" altLang="en-US" sz="1200" dirty="0"/>
+          </a:p>
+        </p:txBody>
+      </p:sp>
+      <p:cxnSp>
+        <p:nvCxnSpPr>
+          <p:cNvPr id="18" name="直接箭头连接符 17"/>
+          <p:cNvCxnSpPr>
+            <a:endCxn id="11" idx="0"/>
+          </p:cNvCxnSpPr>
+          <p:nvPr/>
+        </p:nvCxnSpPr>
+        <p:spPr>
+          <a:xfrm flipH="1">
+            <a:off x="5511265" y="1987062"/>
+            <a:ext cx="1513" cy="356822"/>
+          </a:xfrm>
+          <a:prstGeom prst="straightConnector1">
+            <a:avLst/>
+          </a:prstGeom>
+          <a:ln>
+            <a:tailEnd type="triangle"/>
+          </a:ln>
+        </p:spPr>
+        <p:style>
+          <a:lnRef idx="1">
+            <a:schemeClr val="accent1"/>
+          </a:lnRef>
+          <a:fillRef idx="0">
+            <a:schemeClr val="accent1"/>
+          </a:fillRef>
+          <a:effectRef idx="0">
+            <a:schemeClr val="accent1"/>
+          </a:effectRef>
+          <a:fontRef idx="minor">
+            <a:schemeClr val="tx1"/>
+          </a:fontRef>
+        </p:style>
+      </p:cxnSp>
+      <p:cxnSp>
+        <p:nvCxnSpPr>
+          <p:cNvPr id="22" name="直接连接符 21"/>
+          <p:cNvCxnSpPr>
+            <a:stCxn id="4" idx="2"/>
+          </p:cNvCxnSpPr>
+          <p:nvPr/>
+        </p:nvCxnSpPr>
+        <p:spPr>
+          <a:xfrm>
+            <a:off x="4529322" y="1134659"/>
+            <a:ext cx="981943" cy="852403"/>
+          </a:xfrm>
+          <a:prstGeom prst="line">
+            <a:avLst/>
+          </a:prstGeom>
+        </p:spPr>
+        <p:style>
+          <a:lnRef idx="1">
+            <a:schemeClr val="accent1"/>
+          </a:lnRef>
+          <a:fillRef idx="0">
+            <a:schemeClr val="accent1"/>
+          </a:fillRef>
+          <a:effectRef idx="0">
+            <a:schemeClr val="accent1"/>
+          </a:effectRef>
+          <a:fontRef idx="minor">
+            <a:schemeClr val="tx1"/>
+          </a:fontRef>
+        </p:style>
+      </p:cxnSp>
+      <p:cxnSp>
+        <p:nvCxnSpPr>
+          <p:cNvPr id="24" name="直接连接符 23"/>
+          <p:cNvCxnSpPr>
+            <a:stCxn id="5" idx="2"/>
+          </p:cNvCxnSpPr>
+          <p:nvPr/>
+        </p:nvCxnSpPr>
+        <p:spPr>
+          <a:xfrm flipH="1">
+            <a:off x="5511265" y="1148185"/>
+            <a:ext cx="1268888" cy="838877"/>
+          </a:xfrm>
+          <a:prstGeom prst="line">
+            <a:avLst/>
+          </a:prstGeom>
+        </p:spPr>
+        <p:style>
+          <a:lnRef idx="1">
+            <a:schemeClr val="accent1"/>
+          </a:lnRef>
+          <a:fillRef idx="0">
+            <a:schemeClr val="accent1"/>
+          </a:fillRef>
+          <a:effectRef idx="0">
+            <a:schemeClr val="accent1"/>
+          </a:effectRef>
+          <a:fontRef idx="minor">
+            <a:schemeClr val="tx1"/>
+          </a:fontRef>
+        </p:style>
+      </p:cxnSp>
+      <p:sp>
+        <p:nvSpPr>
+          <p:cNvPr id="25" name="文本框 24"/>
+          <p:cNvSpPr txBox="1"/>
+          <p:nvPr/>
+        </p:nvSpPr>
+        <p:spPr>
+          <a:xfrm>
+            <a:off x="4476393" y="1362590"/>
+            <a:ext cx="2339102" cy="276999"/>
+          </a:xfrm>
+          <a:prstGeom prst="rect">
+            <a:avLst/>
+          </a:prstGeom>
+          <a:noFill/>
+        </p:spPr>
+        <p:txBody>
+          <a:bodyPr wrap="none" rtlCol="0">
+            <a:spAutoFit/>
+          </a:bodyPr>
+          <a:lstStyle/>
+          <a:p>
+            <a:r>
+              <a:rPr lang="zh-CN" altLang="en-US" sz="1200" dirty="0" smtClean="0"/>
+              <a:t>根据二值化图像去除原图中阴影</a:t>
+            </a:r>
+            <a:endParaRPr lang="zh-CN" altLang="en-US" sz="1200" dirty="0"/>
+          </a:p>
+        </p:txBody>
+      </p:sp>
+      <p:cxnSp>
+        <p:nvCxnSpPr>
+          <p:cNvPr id="28" name="直接箭头连接符 27"/>
+          <p:cNvCxnSpPr>
+            <a:stCxn id="11" idx="3"/>
+            <a:endCxn id="26" idx="1"/>
+          </p:cNvCxnSpPr>
+          <p:nvPr/>
+        </p:nvCxnSpPr>
+        <p:spPr>
+          <a:xfrm flipV="1">
+            <a:off x="6134237" y="2823093"/>
+            <a:ext cx="1277680" cy="1"/>
+          </a:xfrm>
+          <a:prstGeom prst="straightConnector1">
+            <a:avLst/>
+          </a:prstGeom>
+          <a:ln>
+            <a:tailEnd type="triangle"/>
+          </a:ln>
+        </p:spPr>
+        <p:style>
+          <a:lnRef idx="1">
+            <a:schemeClr val="accent1"/>
+          </a:lnRef>
+          <a:fillRef idx="0">
+            <a:schemeClr val="accent1"/>
+          </a:fillRef>
+          <a:effectRef idx="0">
+            <a:schemeClr val="accent1"/>
+          </a:effectRef>
+          <a:fontRef idx="minor">
+            <a:schemeClr val="tx1"/>
+          </a:fontRef>
+        </p:style>
+      </p:cxnSp>
+      <p:sp>
+        <p:nvSpPr>
+          <p:cNvPr id="30" name="文本框 29"/>
+          <p:cNvSpPr txBox="1"/>
+          <p:nvPr/>
+        </p:nvSpPr>
+        <p:spPr>
+          <a:xfrm>
+            <a:off x="6110282" y="2515316"/>
+            <a:ext cx="1269899" cy="307777"/>
+          </a:xfrm>
+          <a:prstGeom prst="rect">
+            <a:avLst/>
+          </a:prstGeom>
+          <a:noFill/>
+        </p:spPr>
+        <p:txBody>
+          <a:bodyPr wrap="none" rtlCol="0">
+            <a:spAutoFit/>
+          </a:bodyPr>
+          <a:lstStyle/>
+          <a:p>
+            <a:r>
+              <a:rPr lang="en-US" altLang="zh-CN" sz="1400" dirty="0" err="1" smtClean="0"/>
+              <a:t>Kmeans</a:t>
+            </a:r>
+            <a:r>
+              <a:rPr lang="zh-CN" altLang="en-US" sz="1400" dirty="0" smtClean="0"/>
+              <a:t>，</a:t>
+            </a:r>
+            <a:r>
+              <a:rPr lang="en-US" altLang="zh-CN" sz="1400" dirty="0" smtClean="0"/>
+              <a:t>k=3</a:t>
+            </a:r>
+            <a:endParaRPr lang="zh-CN" altLang="en-US" sz="1400" dirty="0"/>
+          </a:p>
+        </p:txBody>
+      </p:sp>
+      <p:cxnSp>
+        <p:nvCxnSpPr>
+          <p:cNvPr id="33" name="直接箭头连接符 32"/>
+          <p:cNvCxnSpPr>
+            <a:stCxn id="26" idx="0"/>
+            <a:endCxn id="31" idx="1"/>
+          </p:cNvCxnSpPr>
+          <p:nvPr/>
+        </p:nvCxnSpPr>
+        <p:spPr>
+          <a:xfrm flipV="1">
+            <a:off x="8078851" y="711618"/>
+            <a:ext cx="819332" cy="1598449"/>
+          </a:xfrm>
+          <a:prstGeom prst="straightConnector1">
+            <a:avLst/>
+          </a:prstGeom>
+          <a:ln>
+            <a:tailEnd type="triangle"/>
+          </a:ln>
+        </p:spPr>
+        <p:style>
+          <a:lnRef idx="1">
+            <a:schemeClr val="accent1"/>
+          </a:lnRef>
+          <a:fillRef idx="0">
+            <a:schemeClr val="accent1"/>
+          </a:fillRef>
+          <a:effectRef idx="0">
+            <a:schemeClr val="accent1"/>
+          </a:effectRef>
+          <a:fontRef idx="minor">
+            <a:schemeClr val="tx1"/>
+          </a:fontRef>
+        </p:style>
+      </p:cxnSp>
+      <p:sp>
+        <p:nvSpPr>
+          <p:cNvPr id="34" name="文本框 33"/>
+          <p:cNvSpPr txBox="1"/>
+          <p:nvPr/>
+        </p:nvSpPr>
+        <p:spPr>
+          <a:xfrm>
+            <a:off x="7762096" y="1510842"/>
+            <a:ext cx="1261884" cy="523220"/>
+          </a:xfrm>
+          <a:prstGeom prst="rect">
+            <a:avLst/>
+          </a:prstGeom>
+          <a:noFill/>
+        </p:spPr>
+        <p:txBody>
+          <a:bodyPr wrap="none" rtlCol="0">
+            <a:spAutoFit/>
+          </a:bodyPr>
+          <a:lstStyle/>
+          <a:p>
+            <a:r>
+              <a:rPr lang="zh-CN" altLang="en-US" sz="1400" dirty="0" smtClean="0"/>
+              <a:t>取出非背景</a:t>
+            </a:r>
+            <a:endParaRPr lang="en-US" altLang="zh-CN" sz="1400" dirty="0" smtClean="0"/>
+          </a:p>
+          <a:p>
+            <a:r>
+              <a:rPr lang="zh-CN" altLang="en-US" sz="1400" dirty="0" smtClean="0"/>
+              <a:t>有效图像空间</a:t>
+            </a:r>
+            <a:endParaRPr lang="zh-CN" altLang="en-US" sz="1400" dirty="0"/>
+          </a:p>
+        </p:txBody>
+      </p:sp>
+      <p:sp>
+        <p:nvSpPr>
+          <p:cNvPr id="35" name="文本框 34"/>
+          <p:cNvSpPr txBox="1"/>
+          <p:nvPr/>
+        </p:nvSpPr>
+        <p:spPr>
+          <a:xfrm>
+            <a:off x="10384449" y="557729"/>
+            <a:ext cx="995785" cy="307777"/>
+          </a:xfrm>
+          <a:prstGeom prst="rect">
+            <a:avLst/>
+          </a:prstGeom>
+          <a:noFill/>
+        </p:spPr>
+        <p:txBody>
+          <a:bodyPr wrap="none" rtlCol="0">
+            <a:spAutoFit/>
+          </a:bodyPr>
+          <a:lstStyle/>
+          <a:p>
+            <a:r>
+              <a:rPr lang="zh-CN" altLang="en-US" sz="1400" dirty="0" smtClean="0"/>
+              <a:t>求得阈值</a:t>
+            </a:r>
+            <a:r>
+              <a:rPr lang="en-US" altLang="zh-CN" sz="1400" dirty="0" smtClean="0"/>
+              <a:t>T</a:t>
+            </a:r>
+            <a:endParaRPr lang="zh-CN" altLang="en-US" sz="1400" dirty="0"/>
+          </a:p>
+        </p:txBody>
+      </p:sp>
+      <p:cxnSp>
+        <p:nvCxnSpPr>
+          <p:cNvPr id="37" name="直接箭头连接符 36"/>
+          <p:cNvCxnSpPr>
+            <a:stCxn id="31" idx="3"/>
+            <a:endCxn id="35" idx="1"/>
+          </p:cNvCxnSpPr>
+          <p:nvPr/>
+        </p:nvCxnSpPr>
+        <p:spPr>
+          <a:xfrm>
+            <a:off x="9771317" y="711618"/>
+            <a:ext cx="613132" cy="0"/>
+          </a:xfrm>
+          <a:prstGeom prst="straightConnector1">
+            <a:avLst/>
+          </a:prstGeom>
+          <a:ln>
+            <a:tailEnd type="triangle"/>
+          </a:ln>
+        </p:spPr>
+        <p:style>
+          <a:lnRef idx="1">
+            <a:schemeClr val="accent1"/>
+          </a:lnRef>
+          <a:fillRef idx="0">
+            <a:schemeClr val="accent1"/>
+          </a:fillRef>
+          <a:effectRef idx="0">
+            <a:schemeClr val="accent1"/>
+          </a:effectRef>
+          <a:fontRef idx="minor">
+            <a:schemeClr val="tx1"/>
+          </a:fontRef>
+        </p:style>
+      </p:cxnSp>
+      <p:cxnSp>
+        <p:nvCxnSpPr>
+          <p:cNvPr id="40" name="直接箭头连接符 39"/>
+          <p:cNvCxnSpPr>
+            <a:stCxn id="35" idx="2"/>
+            <a:endCxn id="44" idx="0"/>
+          </p:cNvCxnSpPr>
+          <p:nvPr/>
+        </p:nvCxnSpPr>
+        <p:spPr>
+          <a:xfrm flipH="1">
+            <a:off x="9929097" y="865506"/>
+            <a:ext cx="953245" cy="1043188"/>
+          </a:xfrm>
+          <a:prstGeom prst="straightConnector1">
+            <a:avLst/>
+          </a:prstGeom>
+          <a:ln>
+            <a:tailEnd type="triangle"/>
+          </a:ln>
+        </p:spPr>
+        <p:style>
+          <a:lnRef idx="1">
+            <a:schemeClr val="accent1"/>
+          </a:lnRef>
+          <a:fillRef idx="0">
+            <a:schemeClr val="accent1"/>
+          </a:fillRef>
+          <a:effectRef idx="0">
+            <a:schemeClr val="accent1"/>
+          </a:effectRef>
+          <a:fontRef idx="minor">
+            <a:schemeClr val="tx1"/>
+          </a:fontRef>
+        </p:style>
+      </p:cxnSp>
+      <p:cxnSp>
+        <p:nvCxnSpPr>
+          <p:cNvPr id="42" name="直接箭头连接符 41"/>
+          <p:cNvCxnSpPr>
+            <a:stCxn id="31" idx="2"/>
+            <a:endCxn id="38" idx="1"/>
+          </p:cNvCxnSpPr>
+          <p:nvPr/>
+        </p:nvCxnSpPr>
+        <p:spPr>
+          <a:xfrm>
+            <a:off x="9334750" y="1148185"/>
+            <a:ext cx="1044210" cy="1521019"/>
+          </a:xfrm>
+          <a:prstGeom prst="straightConnector1">
+            <a:avLst/>
+          </a:prstGeom>
+          <a:ln>
+            <a:tailEnd type="triangle"/>
+          </a:ln>
+        </p:spPr>
+        <p:style>
+          <a:lnRef idx="1">
+            <a:schemeClr val="accent1"/>
+          </a:lnRef>
+          <a:fillRef idx="0">
+            <a:schemeClr val="accent1"/>
+          </a:fillRef>
+          <a:effectRef idx="0">
+            <a:schemeClr val="accent1"/>
+          </a:effectRef>
+          <a:fontRef idx="minor">
+            <a:schemeClr val="tx1"/>
+          </a:fontRef>
+        </p:style>
+      </p:cxnSp>
+      <p:sp>
+        <p:nvSpPr>
+          <p:cNvPr id="44" name="文本框 43"/>
+          <p:cNvSpPr txBox="1"/>
+          <p:nvPr/>
+        </p:nvSpPr>
+        <p:spPr>
+          <a:xfrm>
+            <a:off x="9161900" y="1908694"/>
+            <a:ext cx="2077813" cy="307777"/>
+          </a:xfrm>
+          <a:prstGeom prst="rect">
+            <a:avLst/>
+          </a:prstGeom>
+          <a:noFill/>
+        </p:spPr>
+        <p:txBody>
+          <a:bodyPr wrap="none" rtlCol="0">
+            <a:spAutoFit/>
+          </a:bodyPr>
+          <a:lstStyle/>
+          <a:p>
+            <a:r>
+              <a:rPr lang="zh-CN" altLang="en-US" sz="1400" dirty="0" smtClean="0"/>
+              <a:t>根据</a:t>
+            </a:r>
+            <a:r>
+              <a:rPr lang="zh-CN" altLang="en-US" sz="1400" dirty="0" smtClean="0"/>
+              <a:t>阈值</a:t>
+            </a:r>
+            <a:r>
+              <a:rPr lang="en-US" altLang="zh-CN" sz="1400" dirty="0" smtClean="0"/>
+              <a:t>1-T</a:t>
+            </a:r>
+            <a:r>
+              <a:rPr lang="zh-CN" altLang="en-US" sz="1400" dirty="0" smtClean="0"/>
+              <a:t>二值</a:t>
+            </a:r>
+            <a:r>
+              <a:rPr lang="zh-CN" altLang="en-US" sz="1400" dirty="0" smtClean="0"/>
+              <a:t>化</a:t>
+            </a:r>
+            <a:r>
+              <a:rPr lang="zh-CN" altLang="en-US" sz="1400" dirty="0"/>
+              <a:t>取反</a:t>
+            </a:r>
+            <a:endParaRPr lang="zh-CN" altLang="en-US" sz="1400" dirty="0"/>
+          </a:p>
+        </p:txBody>
+      </p:sp>
+      <p:pic>
+        <p:nvPicPr>
+          <p:cNvPr id="47" name="图片 46"/>
+          <p:cNvPicPr>
+            <a:picLocks noChangeAspect="1"/>
+          </p:cNvPicPr>
+          <p:nvPr/>
+        </p:nvPicPr>
+        <p:blipFill>
+          <a:blip r:embed="rId4">
+            <a:extLst>
+              <a:ext uri="{28A0092B-C50C-407E-A947-70E740481C1C}">
+                <a14:useLocalDpi xmlns:a14="http://schemas.microsoft.com/office/drawing/2010/main" val="0"/>
+              </a:ext>
+            </a:extLst>
+          </a:blip>
+          <a:stretch>
+            <a:fillRect/>
+          </a:stretch>
+        </p:blipFill>
+        <p:spPr>
+          <a:xfrm>
+            <a:off x="7414562" y="3646539"/>
+            <a:ext cx="1878990" cy="1445377"/>
+          </a:xfrm>
+          <a:prstGeom prst="rect">
+            <a:avLst/>
+          </a:prstGeom>
+        </p:spPr>
+      </p:pic>
+      <p:sp>
+        <p:nvSpPr>
+          <p:cNvPr id="62" name="文本框 61"/>
+          <p:cNvSpPr txBox="1"/>
+          <p:nvPr/>
+        </p:nvSpPr>
+        <p:spPr>
+          <a:xfrm>
+            <a:off x="1860440" y="183938"/>
+            <a:ext cx="465192" cy="307777"/>
+          </a:xfrm>
+          <a:prstGeom prst="rect">
+            <a:avLst/>
+          </a:prstGeom>
+          <a:noFill/>
+        </p:spPr>
+        <p:txBody>
+          <a:bodyPr wrap="none" rtlCol="0">
+            <a:spAutoFit/>
+          </a:bodyPr>
+          <a:lstStyle/>
+          <a:p>
+            <a:r>
+              <a:rPr lang="en-US" altLang="zh-CN" sz="1400" dirty="0" smtClean="0"/>
+              <a:t>(::1)</a:t>
+            </a:r>
+            <a:endParaRPr lang="zh-CN" altLang="en-US" sz="1400" dirty="0"/>
+          </a:p>
+        </p:txBody>
+      </p:sp>
+      <p:cxnSp>
+        <p:nvCxnSpPr>
+          <p:cNvPr id="64" name="直接箭头连接符 63"/>
+          <p:cNvCxnSpPr>
+            <a:stCxn id="59" idx="2"/>
+            <a:endCxn id="63" idx="0"/>
+          </p:cNvCxnSpPr>
+          <p:nvPr/>
+        </p:nvCxnSpPr>
+        <p:spPr>
+          <a:xfrm flipH="1">
+            <a:off x="2677335" y="2385405"/>
+            <a:ext cx="229764" cy="992948"/>
+          </a:xfrm>
+          <a:prstGeom prst="straightConnector1">
+            <a:avLst/>
+          </a:prstGeom>
+          <a:ln>
+            <a:tailEnd type="triangle"/>
+          </a:ln>
+        </p:spPr>
+        <p:style>
+          <a:lnRef idx="1">
+            <a:schemeClr val="accent1"/>
+          </a:lnRef>
+          <a:fillRef idx="0">
+            <a:schemeClr val="accent1"/>
+          </a:fillRef>
+          <a:effectRef idx="0">
+            <a:schemeClr val="accent1"/>
+          </a:effectRef>
+          <a:fontRef idx="minor">
+            <a:schemeClr val="tx1"/>
+          </a:fontRef>
+        </p:style>
+      </p:cxnSp>
+      <p:sp>
+        <p:nvSpPr>
+          <p:cNvPr id="67" name="文本框 66"/>
+          <p:cNvSpPr txBox="1"/>
+          <p:nvPr/>
+        </p:nvSpPr>
+        <p:spPr>
+          <a:xfrm>
+            <a:off x="2468582" y="2684593"/>
+            <a:ext cx="646331" cy="276999"/>
+          </a:xfrm>
+          <a:prstGeom prst="rect">
+            <a:avLst/>
+          </a:prstGeom>
+          <a:noFill/>
+        </p:spPr>
+        <p:txBody>
+          <a:bodyPr wrap="none" rtlCol="0">
+            <a:spAutoFit/>
+          </a:bodyPr>
+          <a:lstStyle/>
+          <a:p>
+            <a:r>
+              <a:rPr lang="zh-CN" altLang="en-US" sz="1200" dirty="0" smtClean="0"/>
+              <a:t>二值化</a:t>
+            </a:r>
+            <a:endParaRPr lang="zh-CN" altLang="en-US" sz="1200" dirty="0"/>
+          </a:p>
+        </p:txBody>
+      </p:sp>
+      <p:pic>
+        <p:nvPicPr>
+          <p:cNvPr id="70" name="图片 69"/>
+          <p:cNvPicPr>
+            <a:picLocks noChangeAspect="1"/>
+          </p:cNvPicPr>
+          <p:nvPr/>
+        </p:nvPicPr>
+        <p:blipFill>
+          <a:blip r:embed="rId3" cstate="print">
+            <a:extLst>
+              <a:ext uri="{28A0092B-C50C-407E-A947-70E740481C1C}">
+                <a14:useLocalDpi xmlns:a14="http://schemas.microsoft.com/office/drawing/2010/main" val="0"/>
+              </a:ext>
+            </a:extLst>
+          </a:blip>
+          <a:stretch>
+            <a:fillRect/>
+          </a:stretch>
+        </p:blipFill>
+        <p:spPr>
+          <a:xfrm>
+            <a:off x="1631550" y="5825636"/>
+            <a:ext cx="1263528" cy="971945"/>
+          </a:xfrm>
+          <a:prstGeom prst="rect">
+            <a:avLst/>
+          </a:prstGeom>
+        </p:spPr>
+      </p:pic>
+      <p:pic>
+        <p:nvPicPr>
+          <p:cNvPr id="71" name="图片 70"/>
+          <p:cNvPicPr>
+            <a:picLocks noChangeAspect="1"/>
+          </p:cNvPicPr>
+          <p:nvPr/>
+        </p:nvPicPr>
+        <p:blipFill>
+          <a:blip r:embed="rId5">
+            <a:extLst>
+              <a:ext uri="{28A0092B-C50C-407E-A947-70E740481C1C}">
+                <a14:useLocalDpi xmlns:a14="http://schemas.microsoft.com/office/drawing/2010/main" val="0"/>
+              </a:ext>
+            </a:extLst>
+          </a:blip>
+          <a:stretch>
+            <a:fillRect/>
+          </a:stretch>
+        </p:blipFill>
+        <p:spPr>
+          <a:xfrm>
+            <a:off x="3741217" y="4671363"/>
+            <a:ext cx="1809650" cy="1392038"/>
+          </a:xfrm>
+          <a:prstGeom prst="rect">
+            <a:avLst/>
+          </a:prstGeom>
+        </p:spPr>
+      </p:pic>
+      <p:cxnSp>
+        <p:nvCxnSpPr>
+          <p:cNvPr id="75" name="直接箭头连接符 74"/>
+          <p:cNvCxnSpPr>
+            <a:endCxn id="71" idx="1"/>
+          </p:cNvCxnSpPr>
+          <p:nvPr/>
+        </p:nvCxnSpPr>
+        <p:spPr>
+          <a:xfrm>
+            <a:off x="3217985" y="5367382"/>
+            <a:ext cx="523232" cy="0"/>
+          </a:xfrm>
+          <a:prstGeom prst="straightConnector1">
+            <a:avLst/>
+          </a:prstGeom>
+          <a:ln>
+            <a:tailEnd type="triangle"/>
+          </a:ln>
+        </p:spPr>
+        <p:style>
+          <a:lnRef idx="1">
+            <a:schemeClr val="accent1"/>
+          </a:lnRef>
+          <a:fillRef idx="0">
+            <a:schemeClr val="accent1"/>
+          </a:fillRef>
+          <a:effectRef idx="0">
+            <a:schemeClr val="accent1"/>
+          </a:effectRef>
+          <a:fontRef idx="minor">
+            <a:schemeClr val="tx1"/>
+          </a:fontRef>
+        </p:style>
+      </p:cxnSp>
+      <p:cxnSp>
+        <p:nvCxnSpPr>
+          <p:cNvPr id="78" name="直接连接符 77"/>
+          <p:cNvCxnSpPr>
+            <a:stCxn id="63" idx="2"/>
+          </p:cNvCxnSpPr>
+          <p:nvPr/>
+        </p:nvCxnSpPr>
+        <p:spPr>
+          <a:xfrm>
+            <a:off x="2677335" y="4832688"/>
+            <a:ext cx="540650" cy="534694"/>
+          </a:xfrm>
+          <a:prstGeom prst="line">
+            <a:avLst/>
+          </a:prstGeom>
+        </p:spPr>
+        <p:style>
+          <a:lnRef idx="1">
+            <a:schemeClr val="accent1"/>
+          </a:lnRef>
+          <a:fillRef idx="0">
+            <a:schemeClr val="accent1"/>
+          </a:fillRef>
+          <a:effectRef idx="0">
+            <a:schemeClr val="accent1"/>
+          </a:effectRef>
+          <a:fontRef idx="minor">
+            <a:schemeClr val="tx1"/>
+          </a:fontRef>
+        </p:style>
+      </p:cxnSp>
+      <p:cxnSp>
+        <p:nvCxnSpPr>
+          <p:cNvPr id="80" name="直接连接符 79"/>
+          <p:cNvCxnSpPr>
+            <a:stCxn id="70" idx="0"/>
+          </p:cNvCxnSpPr>
+          <p:nvPr/>
+        </p:nvCxnSpPr>
+        <p:spPr>
+          <a:xfrm flipV="1">
+            <a:off x="2263314" y="5367382"/>
+            <a:ext cx="954671" cy="458254"/>
+          </a:xfrm>
+          <a:prstGeom prst="line">
+            <a:avLst/>
+          </a:prstGeom>
+        </p:spPr>
+        <p:style>
+          <a:lnRef idx="1">
+            <a:schemeClr val="accent1"/>
+          </a:lnRef>
+          <a:fillRef idx="0">
+            <a:schemeClr val="accent1"/>
+          </a:fillRef>
+          <a:effectRef idx="0">
+            <a:schemeClr val="accent1"/>
+          </a:effectRef>
+          <a:fontRef idx="minor">
+            <a:schemeClr val="tx1"/>
+          </a:fontRef>
+        </p:style>
+      </p:cxnSp>
+      <p:sp>
+        <p:nvSpPr>
+          <p:cNvPr id="81" name="文本框 80"/>
+          <p:cNvSpPr txBox="1"/>
+          <p:nvPr/>
+        </p:nvSpPr>
+        <p:spPr>
+          <a:xfrm>
+            <a:off x="2876580" y="5200828"/>
+            <a:ext cx="543739" cy="307777"/>
+          </a:xfrm>
+          <a:prstGeom prst="rect">
+            <a:avLst/>
+          </a:prstGeom>
+          <a:noFill/>
+        </p:spPr>
+        <p:txBody>
+          <a:bodyPr wrap="none" rtlCol="0">
+            <a:spAutoFit/>
+          </a:bodyPr>
+          <a:lstStyle/>
+          <a:p>
+            <a:r>
+              <a:rPr lang="zh-CN" altLang="en-US" sz="1400" dirty="0" smtClean="0"/>
+              <a:t>相减</a:t>
+            </a:r>
+            <a:endParaRPr lang="zh-CN" altLang="en-US" sz="1400" dirty="0"/>
+          </a:p>
+        </p:txBody>
+      </p:sp>
+      <p:sp>
+        <p:nvSpPr>
+          <p:cNvPr id="82" name="矩形 81"/>
+          <p:cNvSpPr/>
+          <p:nvPr/>
+        </p:nvSpPr>
+        <p:spPr>
+          <a:xfrm>
+            <a:off x="1631550" y="3657611"/>
+            <a:ext cx="1776458" cy="1226187"/>
+          </a:xfrm>
+          <a:prstGeom prst="rect">
+            <a:avLst/>
+          </a:prstGeom>
+          <a:noFill/>
+          <a:ln>
+            <a:solidFill>
+              <a:srgbClr val="FF0000"/>
+            </a:solidFill>
+          </a:ln>
+        </p:spPr>
+        <p:style>
+          <a:lnRef idx="2">
+            <a:schemeClr val="accent1">
+              <a:shade val="50000"/>
+            </a:schemeClr>
+          </a:lnRef>
+          <a:fillRef idx="1">
+            <a:schemeClr val="accent1"/>
+          </a:fillRef>
+          <a:effectRef idx="0">
+            <a:schemeClr val="accent1"/>
+          </a:effectRef>
+          <a:fontRef idx="minor">
+            <a:schemeClr val="lt1"/>
+          </a:fontRef>
+        </p:style>
+        <p:txBody>
+          <a:bodyPr rtlCol="0" anchor="ctr"/>
+          <a:lstStyle/>
+          <a:p>
+            <a:pPr algn="ctr"/>
+            <a:endParaRPr lang="zh-CN" altLang="en-US"/>
+          </a:p>
+        </p:txBody>
+      </p:sp>
+      <p:sp>
+        <p:nvSpPr>
+          <p:cNvPr id="83" name="矩形 82"/>
+          <p:cNvSpPr/>
+          <p:nvPr/>
+        </p:nvSpPr>
+        <p:spPr>
+          <a:xfrm>
+            <a:off x="7924281" y="3820495"/>
+            <a:ext cx="1776458" cy="1226187"/>
+          </a:xfrm>
+          <a:prstGeom prst="rect">
+            <a:avLst/>
+          </a:prstGeom>
+          <a:noFill/>
+          <a:ln>
+            <a:solidFill>
+              <a:srgbClr val="FF0000"/>
+            </a:solidFill>
+          </a:ln>
+        </p:spPr>
+        <p:style>
+          <a:lnRef idx="2">
+            <a:schemeClr val="accent1">
+              <a:shade val="50000"/>
+            </a:schemeClr>
+          </a:lnRef>
+          <a:fillRef idx="1">
+            <a:schemeClr val="accent1"/>
+          </a:fillRef>
+          <a:effectRef idx="0">
+            <a:schemeClr val="accent1"/>
+          </a:effectRef>
+          <a:fontRef idx="minor">
+            <a:schemeClr val="lt1"/>
+          </a:fontRef>
+        </p:style>
+        <p:txBody>
+          <a:bodyPr rtlCol="0" anchor="ctr"/>
+          <a:lstStyle/>
+          <a:p>
+            <a:pPr algn="ctr"/>
+            <a:endParaRPr lang="zh-CN" altLang="en-US"/>
+          </a:p>
+        </p:txBody>
+      </p:sp>
+      <p:sp>
+        <p:nvSpPr>
+          <p:cNvPr id="84" name="矩形 83"/>
+          <p:cNvSpPr/>
+          <p:nvPr/>
+        </p:nvSpPr>
+        <p:spPr>
+          <a:xfrm>
+            <a:off x="3915143" y="4599449"/>
+            <a:ext cx="1776458" cy="1226187"/>
+          </a:xfrm>
+          <a:prstGeom prst="rect">
+            <a:avLst/>
+          </a:prstGeom>
+          <a:noFill/>
+          <a:ln>
+            <a:solidFill>
+              <a:srgbClr val="FF0000"/>
+            </a:solidFill>
+          </a:ln>
+        </p:spPr>
+        <p:style>
+          <a:lnRef idx="2">
+            <a:schemeClr val="accent1">
+              <a:shade val="50000"/>
+            </a:schemeClr>
+          </a:lnRef>
+          <a:fillRef idx="1">
+            <a:schemeClr val="accent1"/>
+          </a:fillRef>
+          <a:effectRef idx="0">
+            <a:schemeClr val="accent1"/>
+          </a:effectRef>
+          <a:fontRef idx="minor">
+            <a:schemeClr val="lt1"/>
+          </a:fontRef>
+        </p:style>
+        <p:txBody>
+          <a:bodyPr rtlCol="0" anchor="ctr"/>
+          <a:lstStyle/>
+          <a:p>
+            <a:pPr algn="ctr"/>
+            <a:endParaRPr lang="zh-CN" altLang="en-US"/>
+          </a:p>
+        </p:txBody>
+      </p:sp>
+      <p:pic>
+        <p:nvPicPr>
+          <p:cNvPr id="85" name="图片 84"/>
+          <p:cNvPicPr>
+            <a:picLocks noChangeAspect="1"/>
+          </p:cNvPicPr>
+          <p:nvPr/>
+        </p:nvPicPr>
+        <p:blipFill>
+          <a:blip r:embed="rId6">
+            <a:extLst>
+              <a:ext uri="{28A0092B-C50C-407E-A947-70E740481C1C}">
+                <a14:useLocalDpi xmlns:a14="http://schemas.microsoft.com/office/drawing/2010/main" val="0"/>
+              </a:ext>
+            </a:extLst>
+          </a:blip>
+          <a:stretch>
+            <a:fillRect/>
+          </a:stretch>
+        </p:blipFill>
+        <p:spPr>
+          <a:xfrm>
+            <a:off x="7676377" y="5567538"/>
+            <a:ext cx="1540927" cy="1185328"/>
+          </a:xfrm>
+          <a:prstGeom prst="rect">
+            <a:avLst/>
+          </a:prstGeom>
+        </p:spPr>
+      </p:pic>
+      <p:cxnSp>
+        <p:nvCxnSpPr>
+          <p:cNvPr id="87" name="直接箭头连接符 86"/>
+          <p:cNvCxnSpPr/>
+          <p:nvPr/>
+        </p:nvCxnSpPr>
+        <p:spPr>
+          <a:xfrm>
+            <a:off x="8812510" y="4939549"/>
+            <a:ext cx="0" cy="696019"/>
+          </a:xfrm>
+          <a:prstGeom prst="straightConnector1">
+            <a:avLst/>
+          </a:prstGeom>
+          <a:ln>
+            <a:tailEnd type="triangle"/>
+          </a:ln>
+        </p:spPr>
+        <p:style>
+          <a:lnRef idx="1">
+            <a:schemeClr val="accent1"/>
+          </a:lnRef>
+          <a:fillRef idx="0">
+            <a:schemeClr val="accent1"/>
+          </a:fillRef>
+          <a:effectRef idx="0">
+            <a:schemeClr val="accent1"/>
+          </a:effectRef>
+          <a:fontRef idx="minor">
+            <a:schemeClr val="tx1"/>
+          </a:fontRef>
+        </p:style>
+      </p:cxnSp>
+      <p:sp>
+        <p:nvSpPr>
+          <p:cNvPr id="88" name="文本框 87"/>
+          <p:cNvSpPr txBox="1"/>
+          <p:nvPr/>
+        </p:nvSpPr>
+        <p:spPr>
+          <a:xfrm>
+            <a:off x="8104624" y="5149058"/>
+            <a:ext cx="1415772" cy="276999"/>
+          </a:xfrm>
+          <a:prstGeom prst="rect">
+            <a:avLst/>
+          </a:prstGeom>
+          <a:noFill/>
+        </p:spPr>
+        <p:txBody>
+          <a:bodyPr wrap="none" rtlCol="0">
+            <a:spAutoFit/>
+          </a:bodyPr>
+          <a:lstStyle/>
+          <a:p>
+            <a:r>
+              <a:rPr lang="zh-CN" altLang="en-US" sz="1200" dirty="0" smtClean="0"/>
+              <a:t>开闭操作去除孔洞</a:t>
+            </a:r>
+            <a:endParaRPr lang="zh-CN" altLang="en-US" sz="1200" dirty="0"/>
+          </a:p>
+        </p:txBody>
+      </p:sp>
+      <p:pic>
+        <p:nvPicPr>
+          <p:cNvPr id="89" name="图片 88"/>
+          <p:cNvPicPr>
+            <a:picLocks noChangeAspect="1"/>
+          </p:cNvPicPr>
+          <p:nvPr/>
+        </p:nvPicPr>
+        <p:blipFill>
+          <a:blip r:embed="rId7">
+            <a:extLst>
+              <a:ext uri="{28A0092B-C50C-407E-A947-70E740481C1C}">
+                <a14:useLocalDpi xmlns:a14="http://schemas.microsoft.com/office/drawing/2010/main" val="0"/>
+              </a:ext>
+            </a:extLst>
+          </a:blip>
+          <a:stretch>
+            <a:fillRect/>
+          </a:stretch>
+        </p:blipFill>
+        <p:spPr>
+          <a:xfrm>
+            <a:off x="5820608" y="3715036"/>
+            <a:ext cx="1540927" cy="1185328"/>
+          </a:xfrm>
+          <a:prstGeom prst="rect">
+            <a:avLst/>
+          </a:prstGeom>
+        </p:spPr>
+      </p:pic>
+      <p:cxnSp>
+        <p:nvCxnSpPr>
+          <p:cNvPr id="91" name="直接箭头连接符 90"/>
+          <p:cNvCxnSpPr>
+            <a:endCxn id="89" idx="1"/>
+          </p:cNvCxnSpPr>
+          <p:nvPr/>
+        </p:nvCxnSpPr>
+        <p:spPr>
+          <a:xfrm flipV="1">
+            <a:off x="5020293" y="4307700"/>
+            <a:ext cx="800315" cy="516030"/>
+          </a:xfrm>
+          <a:prstGeom prst="straightConnector1">
+            <a:avLst/>
+          </a:prstGeom>
+          <a:ln>
+            <a:tailEnd type="triangle"/>
+          </a:ln>
+        </p:spPr>
+        <p:style>
+          <a:lnRef idx="1">
+            <a:schemeClr val="accent1"/>
+          </a:lnRef>
+          <a:fillRef idx="0">
+            <a:schemeClr val="accent1"/>
+          </a:fillRef>
+          <a:effectRef idx="0">
+            <a:schemeClr val="accent1"/>
+          </a:effectRef>
+          <a:fontRef idx="minor">
+            <a:schemeClr val="tx1"/>
+          </a:fontRef>
+        </p:style>
+      </p:cxnSp>
+      <p:sp>
+        <p:nvSpPr>
+          <p:cNvPr id="92" name="文本框 91"/>
+          <p:cNvSpPr txBox="1"/>
+          <p:nvPr/>
+        </p:nvSpPr>
+        <p:spPr>
+          <a:xfrm>
+            <a:off x="4646042" y="4379055"/>
+            <a:ext cx="1620957" cy="307777"/>
+          </a:xfrm>
+          <a:prstGeom prst="rect">
+            <a:avLst/>
+          </a:prstGeom>
+          <a:noFill/>
+        </p:spPr>
+        <p:txBody>
+          <a:bodyPr wrap="none" rtlCol="0">
+            <a:spAutoFit/>
+          </a:bodyPr>
+          <a:lstStyle/>
+          <a:p>
+            <a:r>
+              <a:rPr lang="zh-CN" altLang="en-US" sz="1400" dirty="0" smtClean="0"/>
+              <a:t>闭开操作去除瓜蒂</a:t>
+            </a:r>
+            <a:endParaRPr lang="zh-CN" altLang="en-US" sz="1400" dirty="0"/>
+          </a:p>
+        </p:txBody>
+      </p:sp>
+      <p:sp>
+        <p:nvSpPr>
+          <p:cNvPr id="98" name="矩形 97"/>
+          <p:cNvSpPr/>
+          <p:nvPr/>
+        </p:nvSpPr>
+        <p:spPr>
+          <a:xfrm>
+            <a:off x="5954791" y="3345213"/>
+            <a:ext cx="1450663" cy="1175743"/>
+          </a:xfrm>
+          <a:prstGeom prst="rect">
+            <a:avLst/>
+          </a:prstGeom>
+          <a:noFill/>
+        </p:spPr>
+        <p:style>
+          <a:lnRef idx="2">
+            <a:schemeClr val="accent1">
+              <a:shade val="50000"/>
+            </a:schemeClr>
+          </a:lnRef>
+          <a:fillRef idx="1">
+            <a:schemeClr val="accent1"/>
+          </a:fillRef>
+          <a:effectRef idx="0">
+            <a:schemeClr val="accent1"/>
+          </a:effectRef>
+          <a:fontRef idx="minor">
+            <a:schemeClr val="lt1"/>
+          </a:fontRef>
+        </p:style>
+        <p:txBody>
+          <a:bodyPr rtlCol="0" anchor="ctr"/>
+          <a:lstStyle/>
+          <a:p>
+            <a:pPr algn="ctr"/>
+            <a:endParaRPr lang="zh-CN" altLang="en-US"/>
+          </a:p>
+        </p:txBody>
+      </p:sp>
+      <p:sp>
+        <p:nvSpPr>
+          <p:cNvPr id="99" name="矩形 98"/>
+          <p:cNvSpPr/>
+          <p:nvPr/>
+        </p:nvSpPr>
+        <p:spPr>
+          <a:xfrm>
+            <a:off x="8069733" y="5572330"/>
+            <a:ext cx="1450663" cy="1175743"/>
+          </a:xfrm>
+          <a:prstGeom prst="rect">
+            <a:avLst/>
+          </a:prstGeom>
+          <a:noFill/>
+        </p:spPr>
+        <p:style>
+          <a:lnRef idx="2">
+            <a:schemeClr val="accent1">
+              <a:shade val="50000"/>
+            </a:schemeClr>
+          </a:lnRef>
+          <a:fillRef idx="1">
+            <a:schemeClr val="accent1"/>
+          </a:fillRef>
+          <a:effectRef idx="0">
+            <a:schemeClr val="accent1"/>
+          </a:effectRef>
+          <a:fontRef idx="minor">
+            <a:schemeClr val="lt1"/>
+          </a:fontRef>
+        </p:style>
+        <p:txBody>
+          <a:bodyPr rtlCol="0" anchor="ctr"/>
+          <a:lstStyle/>
+          <a:p>
+            <a:pPr algn="ctr"/>
+            <a:endParaRPr lang="zh-CN" altLang="en-US"/>
+          </a:p>
+        </p:txBody>
+      </p:sp>
+      <p:sp>
+        <p:nvSpPr>
+          <p:cNvPr id="2" name="文本框 1"/>
+          <p:cNvSpPr txBox="1"/>
+          <p:nvPr/>
+        </p:nvSpPr>
+        <p:spPr>
+          <a:xfrm>
+            <a:off x="5204771" y="317091"/>
+            <a:ext cx="306494" cy="369332"/>
+          </a:xfrm>
+          <a:prstGeom prst="rect">
+            <a:avLst/>
+          </a:prstGeom>
+          <a:noFill/>
+        </p:spPr>
+        <p:txBody>
+          <a:bodyPr wrap="none" rtlCol="0">
+            <a:spAutoFit/>
+          </a:bodyPr>
+          <a:lstStyle/>
+          <a:p>
+            <a:r>
+              <a:rPr lang="en-US" altLang="zh-CN" dirty="0" smtClean="0"/>
+              <a:t>1</a:t>
+            </a:r>
+            <a:endParaRPr lang="zh-CN" altLang="en-US" dirty="0"/>
+          </a:p>
+        </p:txBody>
+      </p:sp>
+      <p:sp>
+        <p:nvSpPr>
+          <p:cNvPr id="60" name="文本框 59"/>
+          <p:cNvSpPr txBox="1"/>
+          <p:nvPr/>
+        </p:nvSpPr>
+        <p:spPr>
+          <a:xfrm>
+            <a:off x="4331637" y="1278569"/>
+            <a:ext cx="306494" cy="369332"/>
+          </a:xfrm>
+          <a:prstGeom prst="rect">
+            <a:avLst/>
+          </a:prstGeom>
+          <a:noFill/>
+        </p:spPr>
+        <p:txBody>
+          <a:bodyPr wrap="none" rtlCol="0">
+            <a:spAutoFit/>
+          </a:bodyPr>
+          <a:lstStyle/>
+          <a:p>
+            <a:r>
+              <a:rPr lang="en-US" altLang="zh-CN" dirty="0"/>
+              <a:t>2</a:t>
+            </a:r>
+            <a:endParaRPr lang="zh-CN" altLang="en-US" dirty="0"/>
+          </a:p>
+        </p:txBody>
+      </p:sp>
+      <p:sp>
+        <p:nvSpPr>
+          <p:cNvPr id="65" name="文本框 64"/>
+          <p:cNvSpPr txBox="1"/>
+          <p:nvPr/>
+        </p:nvSpPr>
+        <p:spPr>
+          <a:xfrm>
+            <a:off x="1684492" y="153160"/>
+            <a:ext cx="306494" cy="369332"/>
+          </a:xfrm>
+          <a:prstGeom prst="rect">
+            <a:avLst/>
+          </a:prstGeom>
+          <a:noFill/>
+        </p:spPr>
+        <p:txBody>
+          <a:bodyPr wrap="none" rtlCol="0">
+            <a:spAutoFit/>
+          </a:bodyPr>
+          <a:lstStyle/>
+          <a:p>
+            <a:r>
+              <a:rPr lang="en-US" altLang="zh-CN" dirty="0" smtClean="0"/>
+              <a:t>3</a:t>
+            </a:r>
+            <a:endParaRPr lang="zh-CN" altLang="en-US" dirty="0"/>
+          </a:p>
+        </p:txBody>
+      </p:sp>
+      <p:sp>
+        <p:nvSpPr>
+          <p:cNvPr id="66" name="文本框 65"/>
+          <p:cNvSpPr txBox="1"/>
+          <p:nvPr/>
+        </p:nvSpPr>
+        <p:spPr>
+          <a:xfrm>
+            <a:off x="5998695" y="2466415"/>
+            <a:ext cx="306494" cy="369332"/>
+          </a:xfrm>
+          <a:prstGeom prst="rect">
+            <a:avLst/>
+          </a:prstGeom>
+          <a:noFill/>
+        </p:spPr>
+        <p:txBody>
+          <a:bodyPr wrap="none" rtlCol="0">
+            <a:spAutoFit/>
+          </a:bodyPr>
+          <a:lstStyle/>
+          <a:p>
+            <a:r>
+              <a:rPr lang="en-US" altLang="zh-CN" dirty="0"/>
+              <a:t>4</a:t>
+            </a:r>
+            <a:endParaRPr lang="zh-CN" altLang="en-US" dirty="0"/>
+          </a:p>
+        </p:txBody>
+      </p:sp>
+      <p:sp>
+        <p:nvSpPr>
+          <p:cNvPr id="68" name="文本框 67"/>
+          <p:cNvSpPr txBox="1"/>
+          <p:nvPr/>
+        </p:nvSpPr>
+        <p:spPr>
+          <a:xfrm>
+            <a:off x="2327261" y="2615975"/>
+            <a:ext cx="306494" cy="369332"/>
+          </a:xfrm>
+          <a:prstGeom prst="rect">
+            <a:avLst/>
+          </a:prstGeom>
+          <a:noFill/>
+        </p:spPr>
+        <p:txBody>
+          <a:bodyPr wrap="none" rtlCol="0">
+            <a:spAutoFit/>
+          </a:bodyPr>
+          <a:lstStyle/>
+          <a:p>
+            <a:r>
+              <a:rPr lang="en-US" altLang="zh-CN" dirty="0"/>
+              <a:t>5</a:t>
+            </a:r>
+            <a:endParaRPr lang="zh-CN" altLang="en-US" dirty="0"/>
+          </a:p>
+        </p:txBody>
+      </p:sp>
+      <p:sp>
+        <p:nvSpPr>
+          <p:cNvPr id="69" name="文本框 68"/>
+          <p:cNvSpPr txBox="1"/>
+          <p:nvPr/>
+        </p:nvSpPr>
+        <p:spPr>
+          <a:xfrm>
+            <a:off x="7577830" y="1567623"/>
+            <a:ext cx="306494" cy="369332"/>
+          </a:xfrm>
+          <a:prstGeom prst="rect">
+            <a:avLst/>
+          </a:prstGeom>
+          <a:noFill/>
+        </p:spPr>
+        <p:txBody>
+          <a:bodyPr wrap="none" rtlCol="0">
+            <a:spAutoFit/>
+          </a:bodyPr>
+          <a:lstStyle/>
+          <a:p>
+            <a:r>
+              <a:rPr lang="en-US" altLang="zh-CN" dirty="0"/>
+              <a:t>6</a:t>
+            </a:r>
+            <a:endParaRPr lang="zh-CN" altLang="en-US" dirty="0"/>
+          </a:p>
+        </p:txBody>
+      </p:sp>
+      <p:sp>
+        <p:nvSpPr>
+          <p:cNvPr id="72" name="文本框 71"/>
+          <p:cNvSpPr txBox="1"/>
+          <p:nvPr/>
+        </p:nvSpPr>
+        <p:spPr>
+          <a:xfrm>
+            <a:off x="10252472" y="556937"/>
+            <a:ext cx="306494" cy="369332"/>
+          </a:xfrm>
+          <a:prstGeom prst="rect">
+            <a:avLst/>
+          </a:prstGeom>
+          <a:noFill/>
+        </p:spPr>
+        <p:txBody>
+          <a:bodyPr wrap="none" rtlCol="0">
+            <a:spAutoFit/>
+          </a:bodyPr>
+          <a:lstStyle/>
+          <a:p>
+            <a:r>
+              <a:rPr lang="en-US" altLang="zh-CN" dirty="0"/>
+              <a:t>7</a:t>
+            </a:r>
+            <a:endParaRPr lang="zh-CN" altLang="en-US" dirty="0"/>
+          </a:p>
+        </p:txBody>
+      </p:sp>
+      <p:sp>
+        <p:nvSpPr>
+          <p:cNvPr id="73" name="文本框 72"/>
+          <p:cNvSpPr txBox="1"/>
+          <p:nvPr/>
+        </p:nvSpPr>
+        <p:spPr>
+          <a:xfrm>
+            <a:off x="9034315" y="1877916"/>
+            <a:ext cx="306494" cy="369332"/>
+          </a:xfrm>
+          <a:prstGeom prst="rect">
+            <a:avLst/>
+          </a:prstGeom>
+          <a:noFill/>
+        </p:spPr>
+        <p:txBody>
+          <a:bodyPr wrap="none" rtlCol="0">
+            <a:spAutoFit/>
+          </a:bodyPr>
+          <a:lstStyle/>
+          <a:p>
+            <a:r>
+              <a:rPr lang="en-US" altLang="zh-CN" dirty="0"/>
+              <a:t>8</a:t>
+            </a:r>
+            <a:endParaRPr lang="zh-CN" altLang="en-US" dirty="0"/>
+          </a:p>
+        </p:txBody>
+      </p:sp>
+      <p:sp>
+        <p:nvSpPr>
+          <p:cNvPr id="76" name="文本框 75"/>
+          <p:cNvSpPr txBox="1"/>
+          <p:nvPr/>
+        </p:nvSpPr>
+        <p:spPr>
+          <a:xfrm>
+            <a:off x="2587329" y="5188361"/>
+            <a:ext cx="428322" cy="369332"/>
+          </a:xfrm>
+          <a:prstGeom prst="rect">
+            <a:avLst/>
+          </a:prstGeom>
+          <a:noFill/>
+        </p:spPr>
+        <p:txBody>
+          <a:bodyPr wrap="none" rtlCol="0">
+            <a:spAutoFit/>
+          </a:bodyPr>
+          <a:lstStyle/>
+          <a:p>
+            <a:r>
+              <a:rPr lang="en-US" altLang="zh-CN" dirty="0" smtClean="0"/>
+              <a:t>10</a:t>
+            </a:r>
+            <a:endParaRPr lang="zh-CN" altLang="en-US" dirty="0"/>
+          </a:p>
+        </p:txBody>
+      </p:sp>
+      <p:sp>
+        <p:nvSpPr>
+          <p:cNvPr id="77" name="文本框 76"/>
+          <p:cNvSpPr txBox="1"/>
+          <p:nvPr/>
+        </p:nvSpPr>
+        <p:spPr>
+          <a:xfrm>
+            <a:off x="4412756" y="4336290"/>
+            <a:ext cx="428322" cy="369332"/>
+          </a:xfrm>
+          <a:prstGeom prst="rect">
+            <a:avLst/>
+          </a:prstGeom>
+          <a:noFill/>
+        </p:spPr>
+        <p:txBody>
+          <a:bodyPr wrap="none" rtlCol="0">
+            <a:spAutoFit/>
+          </a:bodyPr>
+          <a:lstStyle/>
+          <a:p>
+            <a:r>
+              <a:rPr lang="en-US" altLang="zh-CN" dirty="0" smtClean="0"/>
+              <a:t>11</a:t>
+            </a:r>
+            <a:endParaRPr lang="zh-CN" altLang="en-US" dirty="0"/>
+          </a:p>
+        </p:txBody>
+      </p:sp>
+      <p:sp>
+        <p:nvSpPr>
+          <p:cNvPr id="86" name="文本框 85"/>
+          <p:cNvSpPr txBox="1"/>
+          <p:nvPr/>
+        </p:nvSpPr>
+        <p:spPr>
+          <a:xfrm>
+            <a:off x="7890463" y="5091916"/>
+            <a:ext cx="428322" cy="369332"/>
+          </a:xfrm>
+          <a:prstGeom prst="rect">
+            <a:avLst/>
+          </a:prstGeom>
+          <a:noFill/>
+        </p:spPr>
+        <p:txBody>
+          <a:bodyPr wrap="none" rtlCol="0">
+            <a:spAutoFit/>
+          </a:bodyPr>
+          <a:lstStyle/>
+          <a:p>
+            <a:r>
+              <a:rPr lang="en-US" altLang="zh-CN" dirty="0" smtClean="0"/>
+              <a:t>13</a:t>
+            </a:r>
+            <a:endParaRPr lang="zh-CN" altLang="en-US" dirty="0"/>
+          </a:p>
+        </p:txBody>
+      </p:sp>
+      <p:pic>
+        <p:nvPicPr>
+          <p:cNvPr id="3" name="图片 2"/>
+          <p:cNvPicPr>
+            <a:picLocks noChangeAspect="1"/>
+          </p:cNvPicPr>
+          <p:nvPr/>
+        </p:nvPicPr>
+        <p:blipFill>
+          <a:blip r:embed="rId8">
+            <a:extLst>
+              <a:ext uri="{28A0092B-C50C-407E-A947-70E740481C1C}">
+                <a14:useLocalDpi xmlns:a14="http://schemas.microsoft.com/office/drawing/2010/main" val="0"/>
+              </a:ext>
+            </a:extLst>
+          </a:blip>
+          <a:stretch>
+            <a:fillRect/>
+          </a:stretch>
+        </p:blipFill>
+        <p:spPr>
+          <a:xfrm>
+            <a:off x="7505859" y="2315628"/>
+            <a:ext cx="1453764" cy="1118280"/>
+          </a:xfrm>
+          <a:prstGeom prst="rect">
+            <a:avLst/>
+          </a:prstGeom>
+        </p:spPr>
+      </p:pic>
+      <p:pic>
+        <p:nvPicPr>
+          <p:cNvPr id="7" name="图片 6"/>
+          <p:cNvPicPr>
+            <a:picLocks noChangeAspect="1"/>
+          </p:cNvPicPr>
+          <p:nvPr/>
+        </p:nvPicPr>
+        <p:blipFill>
+          <a:blip r:embed="rId9">
+            <a:extLst>
+              <a:ext uri="{28A0092B-C50C-407E-A947-70E740481C1C}">
+                <a14:useLocalDpi xmlns:a14="http://schemas.microsoft.com/office/drawing/2010/main" val="0"/>
+              </a:ext>
+            </a:extLst>
+          </a:blip>
+          <a:stretch>
+            <a:fillRect/>
+          </a:stretch>
+        </p:blipFill>
+        <p:spPr>
+          <a:xfrm>
+            <a:off x="8951667" y="357985"/>
+            <a:ext cx="797423" cy="797423"/>
+          </a:xfrm>
+          <a:prstGeom prst="rect">
+            <a:avLst/>
+          </a:prstGeom>
+        </p:spPr>
+      </p:pic>
+      <p:pic>
+        <p:nvPicPr>
+          <p:cNvPr id="9" name="图片 8"/>
+          <p:cNvPicPr>
+            <a:picLocks noChangeAspect="1"/>
+          </p:cNvPicPr>
+          <p:nvPr/>
+        </p:nvPicPr>
+        <p:blipFill>
+          <a:blip r:embed="rId10" cstate="print">
+            <a:extLst>
+              <a:ext uri="{28A0092B-C50C-407E-A947-70E740481C1C}">
+                <a14:useLocalDpi xmlns:a14="http://schemas.microsoft.com/office/drawing/2010/main" val="0"/>
+              </a:ext>
+            </a:extLst>
+          </a:blip>
+          <a:stretch>
+            <a:fillRect/>
+          </a:stretch>
+        </p:blipFill>
+        <p:spPr>
+          <a:xfrm>
+            <a:off x="10467137" y="2324492"/>
+            <a:ext cx="1329263" cy="1022510"/>
+          </a:xfrm>
+          <a:prstGeom prst="rect">
+            <a:avLst/>
+          </a:prstGeom>
+        </p:spPr>
+      </p:pic>
+      <p:pic>
+        <p:nvPicPr>
+          <p:cNvPr id="12" name="图片 11"/>
+          <p:cNvPicPr>
+            <a:picLocks noChangeAspect="1"/>
+          </p:cNvPicPr>
+          <p:nvPr/>
+        </p:nvPicPr>
+        <p:blipFill>
+          <a:blip r:embed="rId11" cstate="print">
+            <a:extLst>
+              <a:ext uri="{28A0092B-C50C-407E-A947-70E740481C1C}">
+                <a14:useLocalDpi xmlns:a14="http://schemas.microsoft.com/office/drawing/2010/main" val="0"/>
+              </a:ext>
+            </a:extLst>
+          </a:blip>
+          <a:stretch>
+            <a:fillRect/>
+          </a:stretch>
+        </p:blipFill>
+        <p:spPr>
+          <a:xfrm>
+            <a:off x="11373124" y="4070539"/>
+            <a:ext cx="776584" cy="597372"/>
+          </a:xfrm>
+          <a:prstGeom prst="rect">
+            <a:avLst/>
+          </a:prstGeom>
+        </p:spPr>
+      </p:pic>
+      <p:cxnSp>
+        <p:nvCxnSpPr>
+          <p:cNvPr id="17" name="直接箭头连接符 16"/>
+          <p:cNvCxnSpPr>
+            <a:stCxn id="9" idx="2"/>
+            <a:endCxn id="12" idx="0"/>
+          </p:cNvCxnSpPr>
+          <p:nvPr/>
+        </p:nvCxnSpPr>
+        <p:spPr>
+          <a:xfrm>
+            <a:off x="11131769" y="3347002"/>
+            <a:ext cx="629647" cy="723537"/>
+          </a:xfrm>
+          <a:prstGeom prst="straightConnector1">
+            <a:avLst/>
+          </a:prstGeom>
+          <a:ln>
+            <a:tailEnd type="triangle"/>
+          </a:ln>
+        </p:spPr>
+        <p:style>
+          <a:lnRef idx="1">
+            <a:schemeClr val="accent1"/>
+          </a:lnRef>
+          <a:fillRef idx="0">
+            <a:schemeClr val="accent1"/>
+          </a:fillRef>
+          <a:effectRef idx="0">
+            <a:schemeClr val="accent1"/>
+          </a:effectRef>
+          <a:fontRef idx="minor">
+            <a:schemeClr val="tx1"/>
+          </a:fontRef>
+        </p:style>
+      </p:cxnSp>
+      <p:sp>
+        <p:nvSpPr>
+          <p:cNvPr id="20" name="文本框 19"/>
+          <p:cNvSpPr txBox="1"/>
+          <p:nvPr/>
+        </p:nvSpPr>
+        <p:spPr>
+          <a:xfrm>
+            <a:off x="10405719" y="3539672"/>
+            <a:ext cx="1582484" cy="369332"/>
+          </a:xfrm>
+          <a:prstGeom prst="rect">
+            <a:avLst/>
+          </a:prstGeom>
+          <a:noFill/>
+        </p:spPr>
+        <p:txBody>
+          <a:bodyPr wrap="none" rtlCol="0">
+            <a:spAutoFit/>
+          </a:bodyPr>
+          <a:lstStyle/>
+          <a:p>
+            <a:r>
+              <a:rPr lang="en-US" altLang="zh-CN" dirty="0" smtClean="0"/>
+              <a:t>14</a:t>
+            </a:r>
+            <a:r>
+              <a:rPr lang="zh-CN" altLang="en-US" dirty="0" smtClean="0"/>
+              <a:t>去除边角料</a:t>
+            </a:r>
+            <a:endParaRPr lang="zh-CN" altLang="en-US" dirty="0"/>
+          </a:p>
+        </p:txBody>
+      </p:sp>
+      <p:cxnSp>
+        <p:nvCxnSpPr>
+          <p:cNvPr id="23" name="直接箭头连接符 22"/>
+          <p:cNvCxnSpPr>
+            <a:stCxn id="12" idx="2"/>
+            <a:endCxn id="47" idx="3"/>
+          </p:cNvCxnSpPr>
+          <p:nvPr/>
+        </p:nvCxnSpPr>
+        <p:spPr>
+          <a:xfrm flipH="1" flipV="1">
+            <a:off x="9293552" y="4369228"/>
+            <a:ext cx="2467864" cy="298683"/>
+          </a:xfrm>
+          <a:prstGeom prst="straightConnector1">
+            <a:avLst/>
+          </a:prstGeom>
+          <a:ln>
+            <a:tailEnd type="triangle"/>
+          </a:ln>
+        </p:spPr>
+        <p:style>
+          <a:lnRef idx="1">
+            <a:schemeClr val="accent1"/>
+          </a:lnRef>
+          <a:fillRef idx="0">
+            <a:schemeClr val="accent1"/>
+          </a:fillRef>
+          <a:effectRef idx="0">
+            <a:schemeClr val="accent1"/>
+          </a:effectRef>
+          <a:fontRef idx="minor">
+            <a:schemeClr val="tx1"/>
+          </a:fontRef>
+        </p:style>
+      </p:cxnSp>
+      <p:sp>
+        <p:nvSpPr>
+          <p:cNvPr id="27" name="文本框 26"/>
+          <p:cNvSpPr txBox="1"/>
+          <p:nvPr/>
+        </p:nvSpPr>
+        <p:spPr>
+          <a:xfrm>
+            <a:off x="10082490" y="4374268"/>
+            <a:ext cx="889987" cy="369332"/>
+          </a:xfrm>
+          <a:prstGeom prst="rect">
+            <a:avLst/>
+          </a:prstGeom>
+          <a:noFill/>
+        </p:spPr>
+        <p:txBody>
+          <a:bodyPr wrap="none" rtlCol="0">
+            <a:spAutoFit/>
+          </a:bodyPr>
+          <a:lstStyle/>
+          <a:p>
+            <a:r>
+              <a:rPr lang="en-US" altLang="zh-CN" dirty="0" smtClean="0"/>
+              <a:t>15</a:t>
+            </a:r>
+            <a:r>
+              <a:rPr lang="zh-CN" altLang="en-US" dirty="0" smtClean="0"/>
+              <a:t>取反</a:t>
+            </a:r>
+            <a:endParaRPr lang="zh-CN" altLang="en-US" dirty="0"/>
+          </a:p>
+        </p:txBody>
+      </p:sp>
+      <p:pic>
+        <p:nvPicPr>
+          <p:cNvPr id="32" name="图片 31"/>
+          <p:cNvPicPr>
+            <a:picLocks noChangeAspect="1"/>
+          </p:cNvPicPr>
+          <p:nvPr/>
+        </p:nvPicPr>
+        <p:blipFill>
+          <a:blip r:embed="rId12" cstate="print">
+            <a:extLst>
+              <a:ext uri="{28A0092B-C50C-407E-A947-70E740481C1C}">
+                <a14:useLocalDpi xmlns:a14="http://schemas.microsoft.com/office/drawing/2010/main" val="0"/>
+              </a:ext>
+            </a:extLst>
+          </a:blip>
+          <a:stretch>
+            <a:fillRect/>
+          </a:stretch>
+        </p:blipFill>
+        <p:spPr>
+          <a:xfrm>
+            <a:off x="4811427" y="2371604"/>
+            <a:ext cx="1173867" cy="902975"/>
+          </a:xfrm>
+          <a:prstGeom prst="rect">
+            <a:avLst/>
+          </a:prstGeom>
+        </p:spPr>
+      </p:pic>
+      <p:pic>
+        <p:nvPicPr>
+          <p:cNvPr id="36" name="图片 35"/>
+          <p:cNvPicPr>
+            <a:picLocks noChangeAspect="1"/>
+          </p:cNvPicPr>
+          <p:nvPr/>
+        </p:nvPicPr>
+        <p:blipFill>
+          <a:blip r:embed="rId13" cstate="print">
+            <a:extLst>
+              <a:ext uri="{28A0092B-C50C-407E-A947-70E740481C1C}">
+                <a14:useLocalDpi xmlns:a14="http://schemas.microsoft.com/office/drawing/2010/main" val="0"/>
+              </a:ext>
+            </a:extLst>
+          </a:blip>
+          <a:stretch>
+            <a:fillRect/>
+          </a:stretch>
+        </p:blipFill>
+        <p:spPr>
+          <a:xfrm>
+            <a:off x="424204" y="400601"/>
+            <a:ext cx="1188733" cy="914410"/>
+          </a:xfrm>
+          <a:prstGeom prst="rect">
+            <a:avLst/>
+          </a:prstGeom>
+        </p:spPr>
+      </p:pic>
+      <p:cxnSp>
+        <p:nvCxnSpPr>
+          <p:cNvPr id="41" name="直接箭头连接符 40"/>
+          <p:cNvCxnSpPr>
+            <a:endCxn id="36" idx="3"/>
+          </p:cNvCxnSpPr>
+          <p:nvPr/>
+        </p:nvCxnSpPr>
+        <p:spPr>
+          <a:xfrm flipH="1">
+            <a:off x="1612937" y="790435"/>
+            <a:ext cx="2248722" cy="67371"/>
+          </a:xfrm>
+          <a:prstGeom prst="straightConnector1">
+            <a:avLst/>
+          </a:prstGeom>
+          <a:ln>
+            <a:tailEnd type="triangle"/>
+          </a:ln>
+        </p:spPr>
+        <p:style>
+          <a:lnRef idx="1">
+            <a:schemeClr val="accent1"/>
+          </a:lnRef>
+          <a:fillRef idx="0">
+            <a:schemeClr val="accent1"/>
+          </a:fillRef>
+          <a:effectRef idx="0">
+            <a:schemeClr val="accent1"/>
+          </a:effectRef>
+          <a:fontRef idx="minor">
+            <a:schemeClr val="tx1"/>
+          </a:fontRef>
+        </p:style>
+      </p:cxnSp>
+      <p:pic>
+        <p:nvPicPr>
+          <p:cNvPr id="45" name="图片 44"/>
+          <p:cNvPicPr>
+            <a:picLocks noChangeAspect="1"/>
+          </p:cNvPicPr>
+          <p:nvPr/>
+        </p:nvPicPr>
+        <p:blipFill>
+          <a:blip r:embed="rId14" cstate="print">
+            <a:extLst>
+              <a:ext uri="{28A0092B-C50C-407E-A947-70E740481C1C}">
+                <a14:useLocalDpi xmlns:a14="http://schemas.microsoft.com/office/drawing/2010/main" val="0"/>
+              </a:ext>
+            </a:extLst>
+          </a:blip>
+          <a:stretch>
+            <a:fillRect/>
+          </a:stretch>
+        </p:blipFill>
+        <p:spPr>
+          <a:xfrm>
+            <a:off x="2418257" y="1094254"/>
+            <a:ext cx="1060319" cy="815630"/>
+          </a:xfrm>
+          <a:prstGeom prst="rect">
+            <a:avLst/>
+          </a:prstGeom>
+        </p:spPr>
+      </p:pic>
+      <p:cxnSp>
+        <p:nvCxnSpPr>
+          <p:cNvPr id="49" name="直接箭头连接符 48"/>
+          <p:cNvCxnSpPr>
+            <a:endCxn id="45" idx="1"/>
+          </p:cNvCxnSpPr>
+          <p:nvPr/>
+        </p:nvCxnSpPr>
+        <p:spPr>
+          <a:xfrm>
+            <a:off x="1608275" y="1148185"/>
+            <a:ext cx="809982" cy="353884"/>
+          </a:xfrm>
+          <a:prstGeom prst="straightConnector1">
+            <a:avLst/>
+          </a:prstGeom>
+          <a:ln>
+            <a:tailEnd type="triangle"/>
+          </a:ln>
+        </p:spPr>
+        <p:style>
+          <a:lnRef idx="1">
+            <a:schemeClr val="accent1"/>
+          </a:lnRef>
+          <a:fillRef idx="0">
+            <a:schemeClr val="accent1"/>
+          </a:fillRef>
+          <a:effectRef idx="0">
+            <a:schemeClr val="accent1"/>
+          </a:effectRef>
+          <a:fontRef idx="minor">
+            <a:schemeClr val="tx1"/>
+          </a:fontRef>
+        </p:style>
+      </p:cxnSp>
+      <p:sp>
+        <p:nvSpPr>
+          <p:cNvPr id="50" name="文本框 49"/>
+          <p:cNvSpPr txBox="1"/>
+          <p:nvPr/>
+        </p:nvSpPr>
+        <p:spPr>
+          <a:xfrm>
+            <a:off x="1280827" y="1077926"/>
+            <a:ext cx="1265090" cy="369332"/>
+          </a:xfrm>
+          <a:prstGeom prst="rect">
+            <a:avLst/>
+          </a:prstGeom>
+          <a:noFill/>
+        </p:spPr>
+        <p:txBody>
+          <a:bodyPr wrap="none" rtlCol="0">
+            <a:spAutoFit/>
+          </a:bodyPr>
+          <a:lstStyle/>
+          <a:p>
+            <a:r>
+              <a:rPr lang="en-US" altLang="zh-CN" dirty="0" smtClean="0"/>
+              <a:t>16 Gamma</a:t>
+            </a:r>
+            <a:endParaRPr lang="zh-CN" altLang="en-US" dirty="0"/>
+          </a:p>
+        </p:txBody>
+      </p:sp>
+      <p:pic>
+        <p:nvPicPr>
+          <p:cNvPr id="51" name="图片 50"/>
+          <p:cNvPicPr>
+            <a:picLocks noChangeAspect="1"/>
+          </p:cNvPicPr>
+          <p:nvPr/>
+        </p:nvPicPr>
+        <p:blipFill>
+          <a:blip r:embed="rId15" cstate="print">
+            <a:extLst>
+              <a:ext uri="{28A0092B-C50C-407E-A947-70E740481C1C}">
+                <a14:useLocalDpi xmlns:a14="http://schemas.microsoft.com/office/drawing/2010/main" val="0"/>
+              </a:ext>
+            </a:extLst>
+          </a:blip>
+          <a:stretch>
+            <a:fillRect/>
+          </a:stretch>
+        </p:blipFill>
+        <p:spPr>
+          <a:xfrm>
+            <a:off x="1910939" y="3766957"/>
+            <a:ext cx="1297156" cy="997812"/>
+          </a:xfrm>
+          <a:prstGeom prst="rect">
+            <a:avLst/>
+          </a:prstGeom>
+        </p:spPr>
+      </p:pic>
+      <p:cxnSp>
+        <p:nvCxnSpPr>
+          <p:cNvPr id="54" name="直接箭头连接符 53"/>
+          <p:cNvCxnSpPr>
+            <a:stCxn id="85" idx="1"/>
+            <a:endCxn id="71" idx="3"/>
+          </p:cNvCxnSpPr>
+          <p:nvPr/>
+        </p:nvCxnSpPr>
+        <p:spPr>
+          <a:xfrm flipH="1" flipV="1">
+            <a:off x="5550867" y="5367382"/>
+            <a:ext cx="2125510" cy="792820"/>
+          </a:xfrm>
+          <a:prstGeom prst="straightConnector1">
+            <a:avLst/>
+          </a:prstGeom>
+          <a:ln>
+            <a:tailEnd type="triangle"/>
+          </a:ln>
+        </p:spPr>
+        <p:style>
+          <a:lnRef idx="1">
+            <a:schemeClr val="accent1"/>
+          </a:lnRef>
+          <a:fillRef idx="0">
+            <a:schemeClr val="accent1"/>
+          </a:fillRef>
+          <a:effectRef idx="0">
+            <a:schemeClr val="accent1"/>
+          </a:effectRef>
+          <a:fontRef idx="minor">
+            <a:schemeClr val="tx1"/>
+          </a:fontRef>
+        </p:style>
+      </p:cxnSp>
+      <p:pic>
+        <p:nvPicPr>
+          <p:cNvPr id="56" name="图片 55"/>
+          <p:cNvPicPr>
+            <a:picLocks noChangeAspect="1"/>
+          </p:cNvPicPr>
+          <p:nvPr/>
+        </p:nvPicPr>
+        <p:blipFill>
+          <a:blip r:embed="rId16" cstate="print">
+            <a:extLst>
+              <a:ext uri="{28A0092B-C50C-407E-A947-70E740481C1C}">
+                <a14:useLocalDpi xmlns:a14="http://schemas.microsoft.com/office/drawing/2010/main" val="0"/>
+              </a:ext>
+            </a:extLst>
+          </a:blip>
+          <a:stretch>
+            <a:fillRect/>
+          </a:stretch>
+        </p:blipFill>
+        <p:spPr>
+          <a:xfrm>
+            <a:off x="319486" y="3901209"/>
+            <a:ext cx="1210923" cy="931479"/>
+          </a:xfrm>
+          <a:prstGeom prst="rect">
+            <a:avLst/>
+          </a:prstGeom>
+        </p:spPr>
+      </p:pic>
+      <p:cxnSp>
+        <p:nvCxnSpPr>
+          <p:cNvPr id="95" name="直接箭头连接符 94"/>
+          <p:cNvCxnSpPr/>
+          <p:nvPr/>
+        </p:nvCxnSpPr>
+        <p:spPr>
+          <a:xfrm flipH="1">
+            <a:off x="1160585" y="4518569"/>
+            <a:ext cx="750354" cy="14374"/>
+          </a:xfrm>
+          <a:prstGeom prst="straightConnector1">
+            <a:avLst/>
+          </a:prstGeom>
+          <a:ln>
+            <a:tailEnd type="triangle"/>
+          </a:ln>
+        </p:spPr>
+        <p:style>
+          <a:lnRef idx="1">
+            <a:schemeClr val="accent1"/>
+          </a:lnRef>
+          <a:fillRef idx="0">
+            <a:schemeClr val="accent1"/>
+          </a:fillRef>
+          <a:effectRef idx="0">
+            <a:schemeClr val="accent1"/>
+          </a:effectRef>
+          <a:fontRef idx="minor">
+            <a:schemeClr val="tx1"/>
+          </a:fontRef>
+        </p:style>
+      </p:cxnSp>
+      <p:sp>
+        <p:nvSpPr>
+          <p:cNvPr id="101" name="文本框 100"/>
+          <p:cNvSpPr txBox="1"/>
+          <p:nvPr/>
+        </p:nvSpPr>
+        <p:spPr>
+          <a:xfrm>
+            <a:off x="1371600" y="4532943"/>
+            <a:ext cx="428322" cy="369332"/>
+          </a:xfrm>
+          <a:prstGeom prst="rect">
+            <a:avLst/>
+          </a:prstGeom>
+          <a:noFill/>
+        </p:spPr>
+        <p:txBody>
+          <a:bodyPr wrap="none" rtlCol="0">
+            <a:spAutoFit/>
+          </a:bodyPr>
+          <a:lstStyle/>
+          <a:p>
+            <a:r>
+              <a:rPr lang="en-US" altLang="zh-CN" dirty="0" smtClean="0"/>
+              <a:t>14</a:t>
+            </a:r>
+            <a:endParaRPr lang="zh-CN" altLang="en-US" dirty="0"/>
+          </a:p>
+        </p:txBody>
+      </p:sp>
+      <p:pic>
+        <p:nvPicPr>
+          <p:cNvPr id="102" name="图片 101"/>
+          <p:cNvPicPr>
+            <a:picLocks noChangeAspect="1"/>
+          </p:cNvPicPr>
+          <p:nvPr/>
+        </p:nvPicPr>
+        <p:blipFill>
+          <a:blip r:embed="rId17" cstate="print">
+            <a:extLst>
+              <a:ext uri="{28A0092B-C50C-407E-A947-70E740481C1C}">
+                <a14:useLocalDpi xmlns:a14="http://schemas.microsoft.com/office/drawing/2010/main" val="0"/>
+              </a:ext>
+            </a:extLst>
+          </a:blip>
+          <a:stretch>
+            <a:fillRect/>
+          </a:stretch>
+        </p:blipFill>
+        <p:spPr>
+          <a:xfrm>
+            <a:off x="469909" y="2952930"/>
+            <a:ext cx="901691" cy="693609"/>
+          </a:xfrm>
+          <a:prstGeom prst="rect">
+            <a:avLst/>
+          </a:prstGeom>
+        </p:spPr>
+      </p:pic>
+      <p:cxnSp>
+        <p:nvCxnSpPr>
+          <p:cNvPr id="104" name="直接箭头连接符 103"/>
+          <p:cNvCxnSpPr>
+            <a:endCxn id="102" idx="2"/>
+          </p:cNvCxnSpPr>
+          <p:nvPr/>
+        </p:nvCxnSpPr>
+        <p:spPr>
+          <a:xfrm flipV="1">
+            <a:off x="920754" y="3646539"/>
+            <a:ext cx="1" cy="424000"/>
+          </a:xfrm>
+          <a:prstGeom prst="straightConnector1">
+            <a:avLst/>
+          </a:prstGeom>
+          <a:ln>
+            <a:tailEnd type="triangle"/>
+          </a:ln>
+        </p:spPr>
+        <p:style>
+          <a:lnRef idx="1">
+            <a:schemeClr val="accent1"/>
+          </a:lnRef>
+          <a:fillRef idx="0">
+            <a:schemeClr val="accent1"/>
+          </a:fillRef>
+          <a:effectRef idx="0">
+            <a:schemeClr val="accent1"/>
+          </a:effectRef>
+          <a:fontRef idx="minor">
+            <a:schemeClr val="tx1"/>
+          </a:fontRef>
+        </p:style>
+      </p:cxnSp>
+      <p:sp>
+        <p:nvSpPr>
+          <p:cNvPr id="105" name="文本框 104"/>
+          <p:cNvSpPr txBox="1"/>
+          <p:nvPr/>
+        </p:nvSpPr>
+        <p:spPr>
+          <a:xfrm>
+            <a:off x="712373" y="3724338"/>
+            <a:ext cx="428322" cy="369332"/>
+          </a:xfrm>
+          <a:prstGeom prst="rect">
+            <a:avLst/>
+          </a:prstGeom>
+          <a:noFill/>
+        </p:spPr>
+        <p:txBody>
+          <a:bodyPr wrap="none" rtlCol="0">
+            <a:spAutoFit/>
+          </a:bodyPr>
+          <a:lstStyle/>
+          <a:p>
+            <a:r>
+              <a:rPr lang="en-US" altLang="zh-CN" dirty="0" smtClean="0"/>
+              <a:t>15</a:t>
+            </a:r>
+            <a:endParaRPr lang="zh-CN" altLang="en-US" dirty="0"/>
+          </a:p>
+        </p:txBody>
+      </p:sp>
+      <p:pic>
+        <p:nvPicPr>
+          <p:cNvPr id="106" name="图片 105"/>
+          <p:cNvPicPr>
+            <a:picLocks noChangeAspect="1"/>
+          </p:cNvPicPr>
+          <p:nvPr/>
+        </p:nvPicPr>
+        <p:blipFill>
+          <a:blip r:embed="rId18" cstate="print">
+            <a:extLst>
+              <a:ext uri="{28A0092B-C50C-407E-A947-70E740481C1C}">
+                <a14:useLocalDpi xmlns:a14="http://schemas.microsoft.com/office/drawing/2010/main" val="0"/>
+              </a:ext>
+            </a:extLst>
+          </a:blip>
+          <a:stretch>
+            <a:fillRect/>
+          </a:stretch>
+        </p:blipFill>
+        <p:spPr>
+          <a:xfrm>
+            <a:off x="441003" y="1869043"/>
+            <a:ext cx="776584" cy="597372"/>
+          </a:xfrm>
+          <a:prstGeom prst="rect">
+            <a:avLst/>
+          </a:prstGeom>
+        </p:spPr>
+      </p:pic>
+      <p:cxnSp>
+        <p:nvCxnSpPr>
+          <p:cNvPr id="108" name="直接箭头连接符 107"/>
+          <p:cNvCxnSpPr>
+            <a:endCxn id="106" idx="2"/>
+          </p:cNvCxnSpPr>
+          <p:nvPr/>
+        </p:nvCxnSpPr>
+        <p:spPr>
+          <a:xfrm flipV="1">
+            <a:off x="829295" y="2466415"/>
+            <a:ext cx="0" cy="408353"/>
+          </a:xfrm>
+          <a:prstGeom prst="straightConnector1">
+            <a:avLst/>
+          </a:prstGeom>
+          <a:ln>
+            <a:tailEnd type="triangle"/>
+          </a:ln>
+        </p:spPr>
+        <p:style>
+          <a:lnRef idx="1">
+            <a:schemeClr val="accent1"/>
+          </a:lnRef>
+          <a:fillRef idx="0">
+            <a:schemeClr val="accent1"/>
+          </a:fillRef>
+          <a:effectRef idx="0">
+            <a:schemeClr val="accent1"/>
+          </a:effectRef>
+          <a:fontRef idx="minor">
+            <a:schemeClr val="tx1"/>
+          </a:fontRef>
+        </p:style>
+      </p:cxnSp>
+      <p:sp>
+        <p:nvSpPr>
+          <p:cNvPr id="109" name="文本框 108"/>
+          <p:cNvSpPr txBox="1"/>
+          <p:nvPr/>
+        </p:nvSpPr>
+        <p:spPr>
+          <a:xfrm>
+            <a:off x="842697" y="2501240"/>
+            <a:ext cx="428322" cy="369332"/>
+          </a:xfrm>
+          <a:prstGeom prst="rect">
+            <a:avLst/>
+          </a:prstGeom>
+          <a:noFill/>
+        </p:spPr>
+        <p:txBody>
+          <a:bodyPr wrap="none" rtlCol="0">
+            <a:spAutoFit/>
+          </a:bodyPr>
+          <a:lstStyle/>
+          <a:p>
+            <a:r>
+              <a:rPr lang="en-US" altLang="zh-CN" dirty="0" smtClean="0"/>
+              <a:t>14</a:t>
+            </a:r>
+            <a:endParaRPr lang="zh-CN" altLang="en-US" dirty="0"/>
+          </a:p>
+        </p:txBody>
+      </p:sp>
+      <p:pic>
+        <p:nvPicPr>
+          <p:cNvPr id="111" name="图片 110"/>
+          <p:cNvPicPr>
+            <a:picLocks noChangeAspect="1"/>
+          </p:cNvPicPr>
+          <p:nvPr/>
+        </p:nvPicPr>
+        <p:blipFill>
+          <a:blip r:embed="rId19" cstate="print">
+            <a:extLst>
+              <a:ext uri="{28A0092B-C50C-407E-A947-70E740481C1C}">
+                <a14:useLocalDpi xmlns:a14="http://schemas.microsoft.com/office/drawing/2010/main" val="0"/>
+              </a:ext>
+            </a:extLst>
+          </a:blip>
+          <a:stretch>
+            <a:fillRect/>
+          </a:stretch>
+        </p:blipFill>
+        <p:spPr>
+          <a:xfrm>
+            <a:off x="1682468" y="1852990"/>
+            <a:ext cx="776584" cy="597372"/>
+          </a:xfrm>
+          <a:prstGeom prst="rect">
+            <a:avLst/>
+          </a:prstGeom>
+        </p:spPr>
+      </p:pic>
+      <p:cxnSp>
+        <p:nvCxnSpPr>
+          <p:cNvPr id="113" name="直接箭头连接符 112"/>
+          <p:cNvCxnSpPr>
+            <a:stCxn id="106" idx="3"/>
+            <a:endCxn id="111" idx="1"/>
+          </p:cNvCxnSpPr>
+          <p:nvPr/>
+        </p:nvCxnSpPr>
+        <p:spPr>
+          <a:xfrm flipV="1">
+            <a:off x="1217587" y="2151676"/>
+            <a:ext cx="464881" cy="16053"/>
+          </a:xfrm>
+          <a:prstGeom prst="straightConnector1">
+            <a:avLst/>
+          </a:prstGeom>
+          <a:ln>
+            <a:tailEnd type="triangle"/>
+          </a:ln>
+        </p:spPr>
+        <p:style>
+          <a:lnRef idx="1">
+            <a:schemeClr val="accent1"/>
+          </a:lnRef>
+          <a:fillRef idx="0">
+            <a:schemeClr val="accent1"/>
+          </a:fillRef>
+          <a:effectRef idx="0">
+            <a:schemeClr val="accent1"/>
+          </a:effectRef>
+          <a:fontRef idx="minor">
+            <a:schemeClr val="tx1"/>
+          </a:fontRef>
+        </p:style>
+      </p:cxnSp>
+      <p:sp>
+        <p:nvSpPr>
+          <p:cNvPr id="114" name="文本框 113"/>
+          <p:cNvSpPr txBox="1"/>
+          <p:nvPr/>
+        </p:nvSpPr>
+        <p:spPr>
+          <a:xfrm>
+            <a:off x="1207175" y="1975036"/>
+            <a:ext cx="428322" cy="369332"/>
+          </a:xfrm>
+          <a:prstGeom prst="rect">
+            <a:avLst/>
+          </a:prstGeom>
+          <a:noFill/>
+        </p:spPr>
+        <p:txBody>
+          <a:bodyPr wrap="none" rtlCol="0">
+            <a:spAutoFit/>
+          </a:bodyPr>
+          <a:lstStyle/>
+          <a:p>
+            <a:r>
+              <a:rPr lang="en-US" altLang="zh-CN" dirty="0" smtClean="0"/>
+              <a:t>15</a:t>
+            </a:r>
+            <a:endParaRPr lang="zh-CN" altLang="en-US" dirty="0"/>
+          </a:p>
+        </p:txBody>
+      </p:sp>
+      <p:sp>
+        <p:nvSpPr>
+          <p:cNvPr id="115" name="矩形 114"/>
+          <p:cNvSpPr/>
+          <p:nvPr/>
+        </p:nvSpPr>
+        <p:spPr>
+          <a:xfrm>
+            <a:off x="1710623" y="2020539"/>
+            <a:ext cx="600001" cy="421024"/>
+          </a:xfrm>
+          <a:prstGeom prst="rect">
+            <a:avLst/>
+          </a:prstGeom>
+          <a:noFill/>
+        </p:spPr>
+        <p:style>
+          <a:lnRef idx="2">
+            <a:schemeClr val="accent1">
+              <a:shade val="50000"/>
+            </a:schemeClr>
+          </a:lnRef>
+          <a:fillRef idx="1">
+            <a:schemeClr val="accent1"/>
+          </a:fillRef>
+          <a:effectRef idx="0">
+            <a:schemeClr val="accent1"/>
+          </a:effectRef>
+          <a:fontRef idx="minor">
+            <a:schemeClr val="lt1"/>
+          </a:fontRef>
+        </p:style>
+        <p:txBody>
+          <a:bodyPr rtlCol="0" anchor="ctr"/>
+          <a:lstStyle/>
+          <a:p>
+            <a:pPr algn="ctr"/>
+            <a:endParaRPr lang="zh-CN" altLang="en-US"/>
+          </a:p>
+        </p:txBody>
+      </p:sp>
+    </p:spTree>
+    <p:extLst>
+      <p:ext uri="{BB962C8B-B14F-4D97-AF65-F5344CB8AC3E}">
+        <p14:creationId xmlns:p14="http://schemas.microsoft.com/office/powerpoint/2010/main" val="3123641376"/>
+      </p:ext>
+    </p:extLst>
+  </p:cSld>
+  <p:clrMapOvr>
+    <a:masterClrMapping/>
+  </p:clrMapOvr>
+</p:sld>
+</file>
+
+<file path=ppt/slides/slide4.xml><?xml version="1.0" encoding="utf-8"?>
+<p:sld xmlns:a="http://schemas.openxmlformats.org/drawingml/2006/main" xmlns:r="http://schemas.openxmlformats.org/officeDocument/2006/relationships" xmlns:p="http://schemas.openxmlformats.org/presentationml/2006/main">
+  <p:cSld>
+    <p:spTree>
+      <p:nvGrpSpPr>
+        <p:cNvPr id="1" name=""/>
+        <p:cNvGrpSpPr/>
+        <p:nvPr/>
+      </p:nvGrpSpPr>
+      <p:grpSpPr>
+        <a:xfrm>
+          <a:off x="0" y="0"/>
+          <a:ext cx="0" cy="0"/>
+          <a:chOff x="0" y="0"/>
+          <a:chExt cx="0" cy="0"/>
+        </a:xfrm>
+      </p:grpSpPr>
+      <p:sp>
+        <p:nvSpPr>
+          <p:cNvPr id="4" name="文本框 3"/>
+          <p:cNvSpPr txBox="1"/>
+          <p:nvPr/>
+        </p:nvSpPr>
+        <p:spPr>
+          <a:xfrm>
+            <a:off x="1257301" y="589085"/>
+            <a:ext cx="5216493" cy="4801314"/>
+          </a:xfrm>
+          <a:prstGeom prst="rect">
+            <a:avLst/>
+          </a:prstGeom>
+          <a:noFill/>
+        </p:spPr>
+        <p:txBody>
+          <a:bodyPr wrap="none" rtlCol="0">
+            <a:spAutoFit/>
+          </a:bodyPr>
+          <a:lstStyle/>
+          <a:p>
+            <a:r>
+              <a:rPr lang="zh-CN" altLang="en-US" dirty="0" smtClean="0"/>
+              <a:t>操作对应的</a:t>
+            </a:r>
+            <a:r>
+              <a:rPr lang="en-US" altLang="zh-CN" dirty="0" err="1" smtClean="0"/>
+              <a:t>matlab</a:t>
+            </a:r>
+            <a:endParaRPr lang="en-US" altLang="zh-CN" dirty="0" smtClean="0"/>
+          </a:p>
+          <a:p>
+            <a:r>
+              <a:rPr lang="en-US" altLang="zh-CN" dirty="0" smtClean="0"/>
+              <a:t>1 </a:t>
+            </a:r>
+            <a:r>
+              <a:rPr lang="en-US" altLang="zh-CN" dirty="0" err="1" smtClean="0"/>
+              <a:t>bwImg.m</a:t>
+            </a:r>
+            <a:endParaRPr lang="en-US" altLang="zh-CN" dirty="0" smtClean="0"/>
+          </a:p>
+          <a:p>
+            <a:r>
+              <a:rPr lang="en-US" altLang="zh-CN" dirty="0" smtClean="0"/>
+              <a:t>2 </a:t>
+            </a:r>
+            <a:r>
+              <a:rPr lang="zh-CN" altLang="en-US" dirty="0" smtClean="0"/>
+              <a:t>把底片中黑色的部分取出以去除阴影</a:t>
+            </a:r>
+            <a:endParaRPr lang="en-US" altLang="zh-CN" dirty="0" smtClean="0"/>
+          </a:p>
+          <a:p>
+            <a:r>
+              <a:rPr lang="en-US" altLang="zh-CN" dirty="0" smtClean="0"/>
+              <a:t>3 PJTH1.m</a:t>
+            </a:r>
+          </a:p>
+          <a:p>
+            <a:r>
+              <a:rPr lang="en-US" altLang="zh-CN" dirty="0" smtClean="0"/>
+              <a:t>4 test1.m(</a:t>
+            </a:r>
+            <a:r>
+              <a:rPr lang="en-US" altLang="zh-CN" dirty="0" err="1" smtClean="0"/>
+              <a:t>kmeans.m</a:t>
+            </a:r>
+            <a:r>
+              <a:rPr lang="en-US" altLang="zh-CN" dirty="0" smtClean="0"/>
+              <a:t>)</a:t>
+            </a:r>
+          </a:p>
+          <a:p>
+            <a:r>
+              <a:rPr lang="en-US" altLang="zh-CN" dirty="0" smtClean="0"/>
+              <a:t>5 </a:t>
+            </a:r>
+            <a:r>
+              <a:rPr lang="en-US" altLang="zh-CN" dirty="0" err="1" smtClean="0"/>
+              <a:t>bwImg.m</a:t>
+            </a:r>
+            <a:endParaRPr lang="en-US" altLang="zh-CN" dirty="0" smtClean="0"/>
+          </a:p>
+          <a:p>
+            <a:r>
+              <a:rPr lang="en-US" altLang="zh-CN" dirty="0" smtClean="0"/>
+              <a:t>6 </a:t>
+            </a:r>
+            <a:r>
+              <a:rPr lang="zh-CN" altLang="en-US" dirty="0" smtClean="0"/>
+              <a:t>如果不是白色，就提取出来放到一张新的图片中</a:t>
+            </a:r>
+            <a:endParaRPr lang="en-US" altLang="zh-CN" dirty="0" smtClean="0"/>
+          </a:p>
+          <a:p>
+            <a:r>
+              <a:rPr lang="en-US" altLang="zh-CN" dirty="0" smtClean="0"/>
+              <a:t>7 </a:t>
+            </a:r>
+            <a:r>
+              <a:rPr lang="en-US" altLang="zh-CN" dirty="0" err="1" smtClean="0"/>
+              <a:t>bwImg.m</a:t>
+            </a:r>
+            <a:r>
+              <a:rPr lang="zh-CN" altLang="en-US" dirty="0" smtClean="0"/>
+              <a:t>求阈值</a:t>
+            </a:r>
+            <a:r>
+              <a:rPr lang="en-US" altLang="zh-CN" dirty="0" err="1" smtClean="0"/>
+              <a:t>thres</a:t>
+            </a:r>
+            <a:endParaRPr lang="en-US" altLang="zh-CN" dirty="0" smtClean="0"/>
+          </a:p>
+          <a:p>
+            <a:r>
+              <a:rPr lang="en-US" altLang="zh-CN" dirty="0" smtClean="0"/>
+              <a:t>8 </a:t>
+            </a:r>
+            <a:r>
+              <a:rPr lang="en-US" altLang="zh-CN" dirty="0" err="1" smtClean="0"/>
+              <a:t>bwImg.m</a:t>
+            </a:r>
+            <a:r>
+              <a:rPr lang="zh-CN" altLang="en-US" dirty="0" smtClean="0"/>
+              <a:t>使用</a:t>
+            </a:r>
+            <a:r>
+              <a:rPr lang="en-US" altLang="zh-CN" dirty="0" smtClean="0"/>
+              <a:t>7</a:t>
+            </a:r>
+            <a:r>
+              <a:rPr lang="zh-CN" altLang="en-US" dirty="0" smtClean="0"/>
+              <a:t>中</a:t>
+            </a:r>
+            <a:r>
+              <a:rPr lang="en-US" altLang="zh-CN" dirty="0" err="1" smtClean="0"/>
+              <a:t>thres</a:t>
+            </a:r>
+            <a:endParaRPr lang="en-US" altLang="zh-CN" dirty="0" smtClean="0"/>
+          </a:p>
+          <a:p>
+            <a:r>
+              <a:rPr lang="en-US" altLang="zh-CN" dirty="0" smtClean="0"/>
+              <a:t>9 </a:t>
+            </a:r>
+            <a:r>
+              <a:rPr lang="en-US" altLang="zh-CN" dirty="0" err="1" smtClean="0"/>
+              <a:t>subscribe.m</a:t>
+            </a:r>
+            <a:endParaRPr lang="en-US" altLang="zh-CN" dirty="0" smtClean="0"/>
+          </a:p>
+          <a:p>
+            <a:r>
+              <a:rPr lang="en-US" altLang="zh-CN" dirty="0" smtClean="0"/>
+              <a:t>10 </a:t>
+            </a:r>
+            <a:r>
+              <a:rPr lang="en-US" altLang="zh-CN" dirty="0" err="1" smtClean="0"/>
+              <a:t>subscribe.m</a:t>
+            </a:r>
+            <a:endParaRPr lang="en-US" altLang="zh-CN" dirty="0" smtClean="0"/>
+          </a:p>
+          <a:p>
+            <a:r>
+              <a:rPr lang="en-US" altLang="zh-CN" dirty="0" smtClean="0"/>
+              <a:t>11 </a:t>
+            </a:r>
+            <a:r>
+              <a:rPr lang="en-US" altLang="zh-CN" dirty="0" err="1" smtClean="0"/>
+              <a:t>fiiii.m</a:t>
+            </a:r>
+            <a:endParaRPr lang="en-US" altLang="zh-CN" dirty="0" smtClean="0"/>
+          </a:p>
+          <a:p>
+            <a:r>
+              <a:rPr lang="en-US" altLang="zh-CN" dirty="0" smtClean="0"/>
+              <a:t>12 </a:t>
+            </a:r>
+            <a:r>
+              <a:rPr lang="en-US" altLang="zh-CN" dirty="0" err="1" smtClean="0"/>
+              <a:t>fiiii.m</a:t>
+            </a:r>
+            <a:endParaRPr lang="en-US" altLang="zh-CN" dirty="0" smtClean="0"/>
+          </a:p>
+          <a:p>
+            <a:r>
+              <a:rPr lang="en-US" altLang="zh-CN" dirty="0" smtClean="0"/>
+              <a:t>13 </a:t>
+            </a:r>
+            <a:r>
+              <a:rPr lang="en-US" altLang="zh-CN" dirty="0" err="1" smtClean="0"/>
+              <a:t>fiiii.m</a:t>
+            </a:r>
+            <a:endParaRPr lang="en-US" altLang="zh-CN" dirty="0" smtClean="0"/>
+          </a:p>
+          <a:p>
+            <a:r>
+              <a:rPr lang="en-US" altLang="zh-CN" dirty="0" smtClean="0"/>
+              <a:t>14 </a:t>
+            </a:r>
+            <a:r>
+              <a:rPr lang="en-US" altLang="zh-CN" dirty="0" err="1" smtClean="0"/>
+              <a:t>getoffsmallthing.m</a:t>
+            </a:r>
+            <a:endParaRPr lang="en-US" altLang="zh-CN" dirty="0" smtClean="0"/>
+          </a:p>
+          <a:p>
+            <a:r>
+              <a:rPr lang="en-US" altLang="zh-CN" dirty="0" smtClean="0"/>
+              <a:t>15 </a:t>
+            </a:r>
+            <a:r>
+              <a:rPr lang="zh-CN" altLang="en-US" dirty="0" smtClean="0"/>
+              <a:t>图像</a:t>
+            </a:r>
+            <a:r>
+              <a:rPr lang="zh-CN" altLang="en-US" dirty="0"/>
+              <a:t>取反</a:t>
+            </a:r>
+            <a:endParaRPr lang="en-US" altLang="zh-CN" dirty="0" smtClean="0"/>
+          </a:p>
+          <a:p>
+            <a:r>
+              <a:rPr lang="en-US" altLang="zh-CN" dirty="0" smtClean="0"/>
+              <a:t>16 </a:t>
+            </a:r>
+            <a:r>
+              <a:rPr lang="zh-CN" altLang="en-US" dirty="0" smtClean="0"/>
+              <a:t>像素值减半</a:t>
+            </a:r>
+            <a:endParaRPr lang="en-US" altLang="zh-CN" dirty="0" smtClean="0"/>
+          </a:p>
+        </p:txBody>
+      </p:sp>
+      <p:sp>
+        <p:nvSpPr>
+          <p:cNvPr id="5" name="文本框 4"/>
+          <p:cNvSpPr txBox="1"/>
+          <p:nvPr/>
+        </p:nvSpPr>
+        <p:spPr>
+          <a:xfrm>
+            <a:off x="8352692" y="1468315"/>
+            <a:ext cx="1795684" cy="369332"/>
+          </a:xfrm>
+          <a:prstGeom prst="rect">
+            <a:avLst/>
+          </a:prstGeom>
+          <a:noFill/>
+        </p:spPr>
+        <p:txBody>
+          <a:bodyPr wrap="none" rtlCol="0">
+            <a:spAutoFit/>
+          </a:bodyPr>
+          <a:lstStyle/>
+          <a:p>
+            <a:r>
+              <a:rPr lang="en-US" altLang="zh-CN" dirty="0" smtClean="0"/>
+              <a:t>2 6 15 16</a:t>
+            </a:r>
+            <a:r>
+              <a:rPr lang="zh-CN" altLang="en-US" dirty="0" smtClean="0"/>
+              <a:t>未实现</a:t>
+            </a:r>
+            <a:endParaRPr lang="zh-CN" altLang="en-US" dirty="0"/>
+          </a:p>
+        </p:txBody>
+      </p:sp>
+    </p:spTree>
+    <p:extLst>
+      <p:ext uri="{BB962C8B-B14F-4D97-AF65-F5344CB8AC3E}">
+        <p14:creationId xmlns:p14="http://schemas.microsoft.com/office/powerpoint/2010/main" val="71464344"/>
       </p:ext>
     </p:extLst>
   </p:cSld>
